--- a/lectures/Lect08_SVM.pptx
+++ b/lectures/Lect08_SVM.pptx
@@ -5,7 +5,7 @@
     <p:sldMasterId id="2147483648" r:id="rId1"/>
   </p:sldMasterIdLst>
   <p:notesMasterIdLst>
-    <p:notesMasterId r:id="rId54"/>
+    <p:notesMasterId r:id="rId57"/>
   </p:notesMasterIdLst>
   <p:sldIdLst>
     <p:sldId id="258" r:id="rId2"/>
@@ -23,43 +23,46 @@
     <p:sldId id="287" r:id="rId14"/>
     <p:sldId id="288" r:id="rId15"/>
     <p:sldId id="289" r:id="rId16"/>
-    <p:sldId id="363" r:id="rId17"/>
-    <p:sldId id="364" r:id="rId18"/>
-    <p:sldId id="291" r:id="rId19"/>
-    <p:sldId id="324" r:id="rId20"/>
-    <p:sldId id="290" r:id="rId21"/>
-    <p:sldId id="292" r:id="rId22"/>
-    <p:sldId id="293" r:id="rId23"/>
-    <p:sldId id="294" r:id="rId24"/>
-    <p:sldId id="295" r:id="rId25"/>
-    <p:sldId id="297" r:id="rId26"/>
-    <p:sldId id="298" r:id="rId27"/>
-    <p:sldId id="302" r:id="rId28"/>
-    <p:sldId id="304" r:id="rId29"/>
-    <p:sldId id="303" r:id="rId30"/>
-    <p:sldId id="305" r:id="rId31"/>
-    <p:sldId id="306" r:id="rId32"/>
-    <p:sldId id="299" r:id="rId33"/>
-    <p:sldId id="300" r:id="rId34"/>
-    <p:sldId id="301" r:id="rId35"/>
-    <p:sldId id="307" r:id="rId36"/>
-    <p:sldId id="309" r:id="rId37"/>
-    <p:sldId id="308" r:id="rId38"/>
-    <p:sldId id="310" r:id="rId39"/>
-    <p:sldId id="312" r:id="rId40"/>
-    <p:sldId id="314" r:id="rId41"/>
-    <p:sldId id="313" r:id="rId42"/>
-    <p:sldId id="311" r:id="rId43"/>
-    <p:sldId id="315" r:id="rId44"/>
-    <p:sldId id="316" r:id="rId45"/>
-    <p:sldId id="317" r:id="rId46"/>
-    <p:sldId id="318" r:id="rId47"/>
-    <p:sldId id="319" r:id="rId48"/>
-    <p:sldId id="320" r:id="rId49"/>
-    <p:sldId id="322" r:id="rId50"/>
-    <p:sldId id="321" r:id="rId51"/>
-    <p:sldId id="323" r:id="rId52"/>
-    <p:sldId id="365" r:id="rId53"/>
+    <p:sldId id="368" r:id="rId17"/>
+    <p:sldId id="366" r:id="rId18"/>
+    <p:sldId id="367" r:id="rId19"/>
+    <p:sldId id="363" r:id="rId20"/>
+    <p:sldId id="364" r:id="rId21"/>
+    <p:sldId id="291" r:id="rId22"/>
+    <p:sldId id="324" r:id="rId23"/>
+    <p:sldId id="290" r:id="rId24"/>
+    <p:sldId id="292" r:id="rId25"/>
+    <p:sldId id="293" r:id="rId26"/>
+    <p:sldId id="294" r:id="rId27"/>
+    <p:sldId id="295" r:id="rId28"/>
+    <p:sldId id="297" r:id="rId29"/>
+    <p:sldId id="298" r:id="rId30"/>
+    <p:sldId id="302" r:id="rId31"/>
+    <p:sldId id="304" r:id="rId32"/>
+    <p:sldId id="303" r:id="rId33"/>
+    <p:sldId id="305" r:id="rId34"/>
+    <p:sldId id="306" r:id="rId35"/>
+    <p:sldId id="299" r:id="rId36"/>
+    <p:sldId id="300" r:id="rId37"/>
+    <p:sldId id="301" r:id="rId38"/>
+    <p:sldId id="307" r:id="rId39"/>
+    <p:sldId id="309" r:id="rId40"/>
+    <p:sldId id="308" r:id="rId41"/>
+    <p:sldId id="310" r:id="rId42"/>
+    <p:sldId id="312" r:id="rId43"/>
+    <p:sldId id="314" r:id="rId44"/>
+    <p:sldId id="313" r:id="rId45"/>
+    <p:sldId id="311" r:id="rId46"/>
+    <p:sldId id="315" r:id="rId47"/>
+    <p:sldId id="316" r:id="rId48"/>
+    <p:sldId id="317" r:id="rId49"/>
+    <p:sldId id="318" r:id="rId50"/>
+    <p:sldId id="319" r:id="rId51"/>
+    <p:sldId id="320" r:id="rId52"/>
+    <p:sldId id="322" r:id="rId53"/>
+    <p:sldId id="321" r:id="rId54"/>
+    <p:sldId id="323" r:id="rId55"/>
+    <p:sldId id="365" r:id="rId56"/>
   </p:sldIdLst>
   <p:sldSz cx="12192000" cy="6858000"/>
   <p:notesSz cx="7315200" cy="9601200"/>
@@ -259,7 +262,7 @@
           <a:p>
             <a:fld id="{B7D6DDD3-D7E9-488B-B626-1E8285E424D8}" type="datetimeFigureOut">
               <a:rPr lang="en-US" smtClean="0"/>
-              <a:t>4/1/2019</a:t>
+              <a:t>10/30/2019</a:t>
             </a:fld>
             <a:endParaRPr lang="en-US"/>
           </a:p>
@@ -524,6 +527,1325 @@
     </a:lvl9pPr>
   </p:notesStyle>
 </p:notesMaster>
+</file>
+
+<file path=ppt/notesSlides/notesSlide1.xml><?xml version="1.0" encoding="utf-8"?>
+<p:notes xmlns:a="http://schemas.openxmlformats.org/drawingml/2006/main" xmlns:r="http://schemas.openxmlformats.org/officeDocument/2006/relationships" xmlns:p="http://schemas.openxmlformats.org/presentationml/2006/main">
+  <p:cSld>
+    <p:spTree>
+      <p:nvGrpSpPr>
+        <p:cNvPr id="1" name=""/>
+        <p:cNvGrpSpPr/>
+        <p:nvPr/>
+      </p:nvGrpSpPr>
+      <p:grpSpPr>
+        <a:xfrm>
+          <a:off x="0" y="0"/>
+          <a:ext cx="0" cy="0"/>
+          <a:chOff x="0" y="0"/>
+          <a:chExt cx="0" cy="0"/>
+        </a:xfrm>
+      </p:grpSpPr>
+      <p:sp>
+        <p:nvSpPr>
+          <p:cNvPr id="2" name="Slide Image Placeholder 1"/>
+          <p:cNvSpPr>
+            <a:spLocks noGrp="1" noRot="1" noChangeAspect="1"/>
+          </p:cNvSpPr>
+          <p:nvPr>
+            <p:ph type="sldImg"/>
+          </p:nvPr>
+        </p:nvSpPr>
+        <p:spPr/>
+      </p:sp>
+      <p:sp>
+        <p:nvSpPr>
+          <p:cNvPr id="3" name="Notes Placeholder 2"/>
+          <p:cNvSpPr>
+            <a:spLocks noGrp="1"/>
+          </p:cNvSpPr>
+          <p:nvPr>
+            <p:ph type="body" idx="1"/>
+          </p:nvPr>
+        </p:nvSpPr>
+        <p:spPr/>
+        <p:txBody>
+          <a:bodyPr/>
+          <a:lstStyle/>
+          <a:p>
+            <a:r>
+              <a:rPr lang="en-US" dirty="0"/>
+              <a:t>Complicated idea with simple implementation</a:t>
+            </a:r>
+          </a:p>
+        </p:txBody>
+      </p:sp>
+      <p:sp>
+        <p:nvSpPr>
+          <p:cNvPr id="4" name="Slide Number Placeholder 3"/>
+          <p:cNvSpPr>
+            <a:spLocks noGrp="1"/>
+          </p:cNvSpPr>
+          <p:nvPr>
+            <p:ph type="sldNum" sz="quarter" idx="5"/>
+          </p:nvPr>
+        </p:nvSpPr>
+        <p:spPr/>
+        <p:txBody>
+          <a:bodyPr/>
+          <a:lstStyle/>
+          <a:p>
+            <a:fld id="{65CF6084-2C3C-4FE7-B181-D16A3429058A}" type="slidenum">
+              <a:rPr lang="en-US" smtClean="0"/>
+              <a:t>1</a:t>
+            </a:fld>
+            <a:endParaRPr lang="en-US"/>
+          </a:p>
+        </p:txBody>
+      </p:sp>
+    </p:spTree>
+    <p:extLst>
+      <p:ext uri="{BB962C8B-B14F-4D97-AF65-F5344CB8AC3E}">
+        <p14:creationId xmlns:p14="http://schemas.microsoft.com/office/powerpoint/2010/main" val="2217177672"/>
+      </p:ext>
+    </p:extLst>
+  </p:cSld>
+  <p:clrMapOvr>
+    <a:masterClrMapping/>
+  </p:clrMapOvr>
+</p:notes>
+</file>
+
+<file path=ppt/notesSlides/notesSlide2.xml><?xml version="1.0" encoding="utf-8"?>
+<p:notes xmlns:a="http://schemas.openxmlformats.org/drawingml/2006/main" xmlns:r="http://schemas.openxmlformats.org/officeDocument/2006/relationships" xmlns:p="http://schemas.openxmlformats.org/presentationml/2006/main">
+  <p:cSld>
+    <p:spTree>
+      <p:nvGrpSpPr>
+        <p:cNvPr id="1" name=""/>
+        <p:cNvGrpSpPr/>
+        <p:nvPr/>
+      </p:nvGrpSpPr>
+      <p:grpSpPr>
+        <a:xfrm>
+          <a:off x="0" y="0"/>
+          <a:ext cx="0" cy="0"/>
+          <a:chOff x="0" y="0"/>
+          <a:chExt cx="0" cy="0"/>
+        </a:xfrm>
+      </p:grpSpPr>
+      <p:sp>
+        <p:nvSpPr>
+          <p:cNvPr id="2" name="Slide Image Placeholder 1"/>
+          <p:cNvSpPr>
+            <a:spLocks noGrp="1" noRot="1" noChangeAspect="1"/>
+          </p:cNvSpPr>
+          <p:nvPr>
+            <p:ph type="sldImg"/>
+          </p:nvPr>
+        </p:nvSpPr>
+        <p:spPr/>
+      </p:sp>
+      <p:sp>
+        <p:nvSpPr>
+          <p:cNvPr id="3" name="Notes Placeholder 2"/>
+          <p:cNvSpPr>
+            <a:spLocks noGrp="1"/>
+          </p:cNvSpPr>
+          <p:nvPr>
+            <p:ph type="body" idx="1"/>
+          </p:nvPr>
+        </p:nvSpPr>
+        <p:spPr/>
+        <p:txBody>
+          <a:bodyPr/>
+          <a:lstStyle/>
+          <a:p>
+            <a:endParaRPr lang="en-US" dirty="0"/>
+          </a:p>
+        </p:txBody>
+      </p:sp>
+      <p:sp>
+        <p:nvSpPr>
+          <p:cNvPr id="4" name="Slide Number Placeholder 3"/>
+          <p:cNvSpPr>
+            <a:spLocks noGrp="1"/>
+          </p:cNvSpPr>
+          <p:nvPr>
+            <p:ph type="sldNum" sz="quarter" idx="5"/>
+          </p:nvPr>
+        </p:nvSpPr>
+        <p:spPr/>
+        <p:txBody>
+          <a:bodyPr/>
+          <a:lstStyle/>
+          <a:p>
+            <a:fld id="{65CF6084-2C3C-4FE7-B181-D16A3429058A}" type="slidenum">
+              <a:rPr lang="en-US" smtClean="0"/>
+              <a:t>6</a:t>
+            </a:fld>
+            <a:endParaRPr lang="en-US"/>
+          </a:p>
+        </p:txBody>
+      </p:sp>
+    </p:spTree>
+    <p:extLst>
+      <p:ext uri="{BB962C8B-B14F-4D97-AF65-F5344CB8AC3E}">
+        <p14:creationId xmlns:p14="http://schemas.microsoft.com/office/powerpoint/2010/main" val="2206585847"/>
+      </p:ext>
+    </p:extLst>
+  </p:cSld>
+  <p:clrMapOvr>
+    <a:masterClrMapping/>
+  </p:clrMapOvr>
+</p:notes>
+</file>
+
+<file path=ppt/notesSlides/notesSlide3.xml><?xml version="1.0" encoding="utf-8"?>
+<p:notes xmlns:a="http://schemas.openxmlformats.org/drawingml/2006/main" xmlns:r="http://schemas.openxmlformats.org/officeDocument/2006/relationships" xmlns:p="http://schemas.openxmlformats.org/presentationml/2006/main">
+  <p:cSld>
+    <p:spTree>
+      <p:nvGrpSpPr>
+        <p:cNvPr id="1" name=""/>
+        <p:cNvGrpSpPr/>
+        <p:nvPr/>
+      </p:nvGrpSpPr>
+      <p:grpSpPr>
+        <a:xfrm>
+          <a:off x="0" y="0"/>
+          <a:ext cx="0" cy="0"/>
+          <a:chOff x="0" y="0"/>
+          <a:chExt cx="0" cy="0"/>
+        </a:xfrm>
+      </p:grpSpPr>
+      <p:sp>
+        <p:nvSpPr>
+          <p:cNvPr id="2" name="Slide Image Placeholder 1"/>
+          <p:cNvSpPr>
+            <a:spLocks noGrp="1" noRot="1" noChangeAspect="1"/>
+          </p:cNvSpPr>
+          <p:nvPr>
+            <p:ph type="sldImg"/>
+          </p:nvPr>
+        </p:nvSpPr>
+        <p:spPr/>
+      </p:sp>
+      <p:sp>
+        <p:nvSpPr>
+          <p:cNvPr id="3" name="Notes Placeholder 2"/>
+          <p:cNvSpPr>
+            <a:spLocks noGrp="1"/>
+          </p:cNvSpPr>
+          <p:nvPr>
+            <p:ph type="body" idx="1"/>
+          </p:nvPr>
+        </p:nvSpPr>
+        <p:spPr/>
+        <p:txBody>
+          <a:bodyPr/>
+          <a:lstStyle/>
+          <a:p>
+            <a:r>
+              <a:rPr lang="en-US" dirty="0"/>
+              <a:t>Very SLOOOW</a:t>
+            </a:r>
+          </a:p>
+          <a:p>
+            <a:endParaRPr lang="en-US" dirty="0"/>
+          </a:p>
+        </p:txBody>
+      </p:sp>
+      <p:sp>
+        <p:nvSpPr>
+          <p:cNvPr id="4" name="Slide Number Placeholder 3"/>
+          <p:cNvSpPr>
+            <a:spLocks noGrp="1"/>
+          </p:cNvSpPr>
+          <p:nvPr>
+            <p:ph type="sldNum" sz="quarter" idx="5"/>
+          </p:nvPr>
+        </p:nvSpPr>
+        <p:spPr/>
+        <p:txBody>
+          <a:bodyPr/>
+          <a:lstStyle/>
+          <a:p>
+            <a:fld id="{65CF6084-2C3C-4FE7-B181-D16A3429058A}" type="slidenum">
+              <a:rPr lang="en-US" smtClean="0"/>
+              <a:t>9</a:t>
+            </a:fld>
+            <a:endParaRPr lang="en-US"/>
+          </a:p>
+        </p:txBody>
+      </p:sp>
+    </p:spTree>
+    <p:extLst>
+      <p:ext uri="{BB962C8B-B14F-4D97-AF65-F5344CB8AC3E}">
+        <p14:creationId xmlns:p14="http://schemas.microsoft.com/office/powerpoint/2010/main" val="1449957167"/>
+      </p:ext>
+    </p:extLst>
+  </p:cSld>
+  <p:clrMapOvr>
+    <a:masterClrMapping/>
+  </p:clrMapOvr>
+</p:notes>
+</file>
+
+<file path=ppt/notesSlides/notesSlide4.xml><?xml version="1.0" encoding="utf-8"?>
+<p:notes xmlns:a="http://schemas.openxmlformats.org/drawingml/2006/main" xmlns:r="http://schemas.openxmlformats.org/officeDocument/2006/relationships" xmlns:p="http://schemas.openxmlformats.org/presentationml/2006/main">
+  <p:cSld>
+    <p:spTree>
+      <p:nvGrpSpPr>
+        <p:cNvPr id="1" name=""/>
+        <p:cNvGrpSpPr/>
+        <p:nvPr/>
+      </p:nvGrpSpPr>
+      <p:grpSpPr>
+        <a:xfrm>
+          <a:off x="0" y="0"/>
+          <a:ext cx="0" cy="0"/>
+          <a:chOff x="0" y="0"/>
+          <a:chExt cx="0" cy="0"/>
+        </a:xfrm>
+      </p:grpSpPr>
+      <p:sp>
+        <p:nvSpPr>
+          <p:cNvPr id="2" name="Slide Image Placeholder 1"/>
+          <p:cNvSpPr>
+            <a:spLocks noGrp="1" noRot="1" noChangeAspect="1"/>
+          </p:cNvSpPr>
+          <p:nvPr>
+            <p:ph type="sldImg"/>
+          </p:nvPr>
+        </p:nvSpPr>
+        <p:spPr/>
+      </p:sp>
+      <p:sp>
+        <p:nvSpPr>
+          <p:cNvPr id="3" name="Notes Placeholder 2"/>
+          <p:cNvSpPr>
+            <a:spLocks noGrp="1"/>
+          </p:cNvSpPr>
+          <p:nvPr>
+            <p:ph type="body" idx="1"/>
+          </p:nvPr>
+        </p:nvSpPr>
+        <p:spPr/>
+        <p:txBody>
+          <a:bodyPr/>
+          <a:lstStyle/>
+          <a:p>
+            <a:r>
+              <a:rPr lang="en-US" dirty="0"/>
+              <a:t>Inner product of W with X</a:t>
+            </a:r>
+          </a:p>
+        </p:txBody>
+      </p:sp>
+      <p:sp>
+        <p:nvSpPr>
+          <p:cNvPr id="4" name="Slide Number Placeholder 3"/>
+          <p:cNvSpPr>
+            <a:spLocks noGrp="1"/>
+          </p:cNvSpPr>
+          <p:nvPr>
+            <p:ph type="sldNum" sz="quarter" idx="5"/>
+          </p:nvPr>
+        </p:nvSpPr>
+        <p:spPr/>
+        <p:txBody>
+          <a:bodyPr/>
+          <a:lstStyle/>
+          <a:p>
+            <a:fld id="{65CF6084-2C3C-4FE7-B181-D16A3429058A}" type="slidenum">
+              <a:rPr lang="en-US" smtClean="0"/>
+              <a:t>12</a:t>
+            </a:fld>
+            <a:endParaRPr lang="en-US"/>
+          </a:p>
+        </p:txBody>
+      </p:sp>
+    </p:spTree>
+    <p:extLst>
+      <p:ext uri="{BB962C8B-B14F-4D97-AF65-F5344CB8AC3E}">
+        <p14:creationId xmlns:p14="http://schemas.microsoft.com/office/powerpoint/2010/main" val="3782772484"/>
+      </p:ext>
+    </p:extLst>
+  </p:cSld>
+  <p:clrMapOvr>
+    <a:masterClrMapping/>
+  </p:clrMapOvr>
+</p:notes>
+</file>
+
+<file path=ppt/notesSlides/notesSlide5.xml><?xml version="1.0" encoding="utf-8"?>
+<p:notes xmlns:a="http://schemas.openxmlformats.org/drawingml/2006/main" xmlns:r="http://schemas.openxmlformats.org/officeDocument/2006/relationships" xmlns:p="http://schemas.openxmlformats.org/presentationml/2006/main">
+  <p:cSld>
+    <p:spTree>
+      <p:nvGrpSpPr>
+        <p:cNvPr id="1" name=""/>
+        <p:cNvGrpSpPr/>
+        <p:nvPr/>
+      </p:nvGrpSpPr>
+      <p:grpSpPr>
+        <a:xfrm>
+          <a:off x="0" y="0"/>
+          <a:ext cx="0" cy="0"/>
+          <a:chOff x="0" y="0"/>
+          <a:chExt cx="0" cy="0"/>
+        </a:xfrm>
+      </p:grpSpPr>
+      <p:sp>
+        <p:nvSpPr>
+          <p:cNvPr id="2" name="Slide Image Placeholder 1"/>
+          <p:cNvSpPr>
+            <a:spLocks noGrp="1" noRot="1" noChangeAspect="1"/>
+          </p:cNvSpPr>
+          <p:nvPr>
+            <p:ph type="sldImg"/>
+          </p:nvPr>
+        </p:nvSpPr>
+        <p:spPr/>
+      </p:sp>
+      <p:sp>
+        <p:nvSpPr>
+          <p:cNvPr id="3" name="Notes Placeholder 2"/>
+          <p:cNvSpPr>
+            <a:spLocks noGrp="1"/>
+          </p:cNvSpPr>
+          <p:nvPr>
+            <p:ph type="body" idx="1"/>
+          </p:nvPr>
+        </p:nvSpPr>
+        <p:spPr/>
+        <p:txBody>
+          <a:bodyPr/>
+          <a:lstStyle/>
+          <a:p>
+            <a:r>
+              <a:rPr lang="en-US" dirty="0"/>
+              <a:t>Not very </a:t>
+            </a:r>
+            <a:r>
+              <a:rPr lang="en-US" dirty="0" err="1"/>
+              <a:t>robuts</a:t>
+            </a:r>
+            <a:r>
+              <a:rPr lang="en-US" dirty="0"/>
+              <a:t> with shape variations for the same one</a:t>
+            </a:r>
+          </a:p>
+        </p:txBody>
+      </p:sp>
+      <p:sp>
+        <p:nvSpPr>
+          <p:cNvPr id="4" name="Slide Number Placeholder 3"/>
+          <p:cNvSpPr>
+            <a:spLocks noGrp="1"/>
+          </p:cNvSpPr>
+          <p:nvPr>
+            <p:ph type="sldNum" sz="quarter" idx="5"/>
+          </p:nvPr>
+        </p:nvSpPr>
+        <p:spPr/>
+        <p:txBody>
+          <a:bodyPr/>
+          <a:lstStyle/>
+          <a:p>
+            <a:fld id="{65CF6084-2C3C-4FE7-B181-D16A3429058A}" type="slidenum">
+              <a:rPr lang="en-US" smtClean="0"/>
+              <a:t>13</a:t>
+            </a:fld>
+            <a:endParaRPr lang="en-US"/>
+          </a:p>
+        </p:txBody>
+      </p:sp>
+    </p:spTree>
+    <p:extLst>
+      <p:ext uri="{BB962C8B-B14F-4D97-AF65-F5344CB8AC3E}">
+        <p14:creationId xmlns:p14="http://schemas.microsoft.com/office/powerpoint/2010/main" val="2502838422"/>
+      </p:ext>
+    </p:extLst>
+  </p:cSld>
+  <p:clrMapOvr>
+    <a:masterClrMapping/>
+  </p:clrMapOvr>
+</p:notes>
+</file>
+
+<file path=ppt/notesSlides/notesSlide6.xml><?xml version="1.0" encoding="utf-8"?>
+<p:notes xmlns:a="http://schemas.openxmlformats.org/drawingml/2006/main" xmlns:r="http://schemas.openxmlformats.org/officeDocument/2006/relationships" xmlns:p="http://schemas.openxmlformats.org/presentationml/2006/main">
+  <p:cSld>
+    <p:spTree>
+      <p:nvGrpSpPr>
+        <p:cNvPr id="1" name=""/>
+        <p:cNvGrpSpPr/>
+        <p:nvPr/>
+      </p:nvGrpSpPr>
+      <p:grpSpPr>
+        <a:xfrm>
+          <a:off x="0" y="0"/>
+          <a:ext cx="0" cy="0"/>
+          <a:chOff x="0" y="0"/>
+          <a:chExt cx="0" cy="0"/>
+        </a:xfrm>
+      </p:grpSpPr>
+      <p:sp>
+        <p:nvSpPr>
+          <p:cNvPr id="2" name="Slide Image Placeholder 1"/>
+          <p:cNvSpPr>
+            <a:spLocks noGrp="1" noRot="1" noChangeAspect="1"/>
+          </p:cNvSpPr>
+          <p:nvPr>
+            <p:ph type="sldImg"/>
+          </p:nvPr>
+        </p:nvSpPr>
+        <p:spPr/>
+      </p:sp>
+      <p:sp>
+        <p:nvSpPr>
+          <p:cNvPr id="3" name="Notes Placeholder 2"/>
+          <p:cNvSpPr>
+            <a:spLocks noGrp="1"/>
+          </p:cNvSpPr>
+          <p:nvPr>
+            <p:ph type="body" idx="1"/>
+          </p:nvPr>
+        </p:nvSpPr>
+        <p:spPr/>
+        <p:txBody>
+          <a:bodyPr/>
+          <a:lstStyle/>
+          <a:p>
+            <a:r>
+              <a:rPr lang="en-US" dirty="0"/>
+              <a:t>Train vs Test data. </a:t>
+            </a:r>
+          </a:p>
+          <a:p>
+            <a:r>
+              <a:rPr lang="en-US" dirty="0"/>
+              <a:t>So if there’s more space we can be more robust. </a:t>
+            </a:r>
+          </a:p>
+        </p:txBody>
+      </p:sp>
+      <p:sp>
+        <p:nvSpPr>
+          <p:cNvPr id="4" name="Slide Number Placeholder 3"/>
+          <p:cNvSpPr>
+            <a:spLocks noGrp="1"/>
+          </p:cNvSpPr>
+          <p:nvPr>
+            <p:ph type="sldNum" sz="quarter" idx="5"/>
+          </p:nvPr>
+        </p:nvSpPr>
+        <p:spPr/>
+        <p:txBody>
+          <a:bodyPr/>
+          <a:lstStyle/>
+          <a:p>
+            <a:fld id="{65CF6084-2C3C-4FE7-B181-D16A3429058A}" type="slidenum">
+              <a:rPr lang="en-US" smtClean="0"/>
+              <a:t>19</a:t>
+            </a:fld>
+            <a:endParaRPr lang="en-US"/>
+          </a:p>
+        </p:txBody>
+      </p:sp>
+    </p:spTree>
+    <p:extLst>
+      <p:ext uri="{BB962C8B-B14F-4D97-AF65-F5344CB8AC3E}">
+        <p14:creationId xmlns:p14="http://schemas.microsoft.com/office/powerpoint/2010/main" val="3911329491"/>
+      </p:ext>
+    </p:extLst>
+  </p:cSld>
+  <p:clrMapOvr>
+    <a:masterClrMapping/>
+  </p:clrMapOvr>
+</p:notes>
+</file>
+
+<file path=ppt/notesSlides/notesSlide7.xml><?xml version="1.0" encoding="utf-8"?>
+<p:notes xmlns:a="http://schemas.openxmlformats.org/drawingml/2006/main" xmlns:r="http://schemas.openxmlformats.org/officeDocument/2006/relationships" xmlns:p="http://schemas.openxmlformats.org/presentationml/2006/main">
+  <p:cSld>
+    <p:spTree>
+      <p:nvGrpSpPr>
+        <p:cNvPr id="1" name=""/>
+        <p:cNvGrpSpPr/>
+        <p:nvPr/>
+      </p:nvGrpSpPr>
+      <p:grpSpPr>
+        <a:xfrm>
+          <a:off x="0" y="0"/>
+          <a:ext cx="0" cy="0"/>
+          <a:chOff x="0" y="0"/>
+          <a:chExt cx="0" cy="0"/>
+        </a:xfrm>
+      </p:grpSpPr>
+      <p:sp>
+        <p:nvSpPr>
+          <p:cNvPr id="2" name="Slide Image Placeholder 1"/>
+          <p:cNvSpPr>
+            <a:spLocks noGrp="1" noRot="1" noChangeAspect="1"/>
+          </p:cNvSpPr>
+          <p:nvPr>
+            <p:ph type="sldImg"/>
+          </p:nvPr>
+        </p:nvSpPr>
+        <p:spPr/>
+      </p:sp>
+      <mc:AlternateContent xmlns:mc="http://schemas.openxmlformats.org/markup-compatibility/2006">
+        <mc:Choice xmlns:a14="http://schemas.microsoft.com/office/drawing/2010/main" Requires="a14">
+          <p:sp>
+            <p:nvSpPr>
+              <p:cNvPr id="3" name="Notes Placeholder 2"/>
+              <p:cNvSpPr>
+                <a:spLocks noGrp="1"/>
+              </p:cNvSpPr>
+              <p:nvPr>
+                <p:ph type="body" idx="1"/>
+              </p:nvPr>
+            </p:nvSpPr>
+            <p:spPr/>
+            <p:txBody>
+              <a:bodyPr/>
+              <a:lstStyle/>
+              <a:p>
+                <a:pPr marL="0" marR="0" lvl="0" indent="0" algn="l" defTabSz="914400" rtl="0" eaLnBrk="1" fontAlgn="auto" latinLnBrk="0" hangingPunct="1">
+                  <a:lnSpc>
+                    <a:spcPct val="100000"/>
+                  </a:lnSpc>
+                  <a:spcBef>
+                    <a:spcPts val="0"/>
+                  </a:spcBef>
+                  <a:spcAft>
+                    <a:spcPts val="0"/>
+                  </a:spcAft>
+                  <a:buClrTx/>
+                  <a:buSzTx/>
+                  <a:buFontTx/>
+                  <a:buNone/>
+                  <a:tabLst/>
+                  <a:defRPr/>
+                </a:pPr>
+                <a14:m>
+                  <m:oMathPara xmlns:m="http://schemas.openxmlformats.org/officeDocument/2006/math">
+                    <m:oMathParaPr>
+                      <m:jc m:val="centerGroup"/>
+                    </m:oMathParaPr>
+                    <m:oMath xmlns:m="http://schemas.openxmlformats.org/officeDocument/2006/math">
+                      <m:f>
+                        <m:fPr>
+                          <m:ctrlPr>
+                            <a:rPr lang="en-US" b="0" i="1" smtClean="0">
+                              <a:latin typeface="Cambria Math" panose="02040503050406030204" pitchFamily="18" charset="0"/>
+                            </a:rPr>
+                          </m:ctrlPr>
+                        </m:fPr>
+                        <m:num>
+                          <m:r>
+                            <a:rPr lang="en-US" b="1" i="1" smtClean="0">
+                              <a:latin typeface="Cambria Math" panose="02040503050406030204" pitchFamily="18" charset="0"/>
+                            </a:rPr>
+                            <m:t>𝒘</m:t>
+                          </m:r>
+                        </m:num>
+                        <m:den>
+                          <m:d>
+                            <m:dPr>
+                              <m:begChr m:val="‖"/>
+                              <m:endChr m:val="‖"/>
+                              <m:ctrlPr>
+                                <a:rPr lang="en-US" i="1">
+                                  <a:latin typeface="Cambria Math" panose="02040503050406030204" pitchFamily="18" charset="0"/>
+                                </a:rPr>
+                              </m:ctrlPr>
+                            </m:dPr>
+                            <m:e>
+                              <m:r>
+                                <a:rPr lang="en-US" b="1" i="1">
+                                  <a:latin typeface="Cambria Math" panose="02040503050406030204" pitchFamily="18" charset="0"/>
+                                </a:rPr>
+                                <m:t>𝒘</m:t>
+                              </m:r>
+                              <m:r>
+                                <a:rPr lang="en-US" b="0" i="1" smtClean="0">
+                                  <a:latin typeface="Cambria Math" panose="02040503050406030204" pitchFamily="18" charset="0"/>
+                                </a:rPr>
+                                <m:t> </m:t>
+                              </m:r>
+                            </m:e>
+                          </m:d>
+                        </m:den>
+                      </m:f>
+                      <m:r>
+                        <a:rPr lang="en-US" b="0" i="1" smtClean="0">
+                          <a:latin typeface="Cambria Math" panose="02040503050406030204" pitchFamily="18" charset="0"/>
+                        </a:rPr>
+                        <m:t> </m:t>
+                      </m:r>
+                      <m:r>
+                        <a:rPr lang="en-US" b="0" i="1" smtClean="0">
+                          <a:latin typeface="Cambria Math" panose="02040503050406030204" pitchFamily="18" charset="0"/>
+                        </a:rPr>
+                        <m:t>𝑎𝑛𝑑</m:t>
+                      </m:r>
+                      <m:r>
+                        <a:rPr lang="en-US" b="0" i="1" smtClean="0">
+                          <a:latin typeface="Cambria Math" panose="02040503050406030204" pitchFamily="18" charset="0"/>
+                        </a:rPr>
+                        <m:t> </m:t>
+                      </m:r>
+                      <m:r>
+                        <a:rPr lang="en-US" b="0" i="1" smtClean="0">
+                          <a:latin typeface="Cambria Math" panose="02040503050406030204" pitchFamily="18" charset="0"/>
+                        </a:rPr>
+                        <m:t>𝑦</m:t>
+                      </m:r>
+                      <m:r>
+                        <a:rPr lang="en-US" b="0" i="1" smtClean="0">
+                          <a:latin typeface="Cambria Math" panose="02040503050406030204" pitchFamily="18" charset="0"/>
+                        </a:rPr>
+                        <m:t> </m:t>
+                      </m:r>
+                      <m:r>
+                        <a:rPr lang="en-US" b="0" i="1" smtClean="0">
+                          <a:latin typeface="Cambria Math" panose="02040503050406030204" pitchFamily="18" charset="0"/>
+                        </a:rPr>
+                        <m:t>𝑜𝑢</m:t>
+                      </m:r>
+                      <m:r>
+                        <a:rPr lang="en-US" b="0" i="1" smtClean="0">
+                          <a:latin typeface="Cambria Math" panose="02040503050406030204" pitchFamily="18" charset="0"/>
+                        </a:rPr>
+                        <m:t> </m:t>
+                      </m:r>
+                      <m:r>
+                        <a:rPr lang="en-US" b="0" i="1" smtClean="0">
+                          <a:latin typeface="Cambria Math" panose="02040503050406030204" pitchFamily="18" charset="0"/>
+                        </a:rPr>
+                        <m:t>𝑔𝑒𝑡</m:t>
+                      </m:r>
+                      <m:r>
+                        <a:rPr lang="en-US" b="0" i="1" smtClean="0">
+                          <a:latin typeface="Cambria Math" panose="02040503050406030204" pitchFamily="18" charset="0"/>
+                        </a:rPr>
+                        <m:t> </m:t>
+                      </m:r>
+                      <m:r>
+                        <a:rPr lang="en-US" b="0" i="1" smtClean="0">
+                          <a:latin typeface="Cambria Math" panose="02040503050406030204" pitchFamily="18" charset="0"/>
+                        </a:rPr>
+                        <m:t>h𝑡𝑒</m:t>
+                      </m:r>
+                      <m:r>
+                        <a:rPr lang="en-US" b="0" i="1" smtClean="0">
+                          <a:latin typeface="Cambria Math" panose="02040503050406030204" pitchFamily="18" charset="0"/>
+                        </a:rPr>
+                        <m:t> </m:t>
+                      </m:r>
+                      <m:r>
+                        <a:rPr lang="en-US" b="0" i="1" smtClean="0">
+                          <a:latin typeface="Cambria Math" panose="02040503050406030204" pitchFamily="18" charset="0"/>
+                        </a:rPr>
+                        <m:t>𝑢𝑛𝑖𝑡</m:t>
+                      </m:r>
+                      <m:r>
+                        <a:rPr lang="en-US" b="0" i="1" smtClean="0">
+                          <a:latin typeface="Cambria Math" panose="02040503050406030204" pitchFamily="18" charset="0"/>
+                        </a:rPr>
+                        <m:t> </m:t>
+                      </m:r>
+                      <m:r>
+                        <a:rPr lang="en-US" b="0" i="1" smtClean="0">
+                          <a:latin typeface="Cambria Math" panose="02040503050406030204" pitchFamily="18" charset="0"/>
+                        </a:rPr>
+                        <m:t>𝑣𝑒𝑐𝑡𝑜𝑟</m:t>
+                      </m:r>
+                    </m:oMath>
+                  </m:oMathPara>
+                </a14:m>
+                <a:endParaRPr lang="en-US" dirty="0"/>
+              </a:p>
+            </p:txBody>
+          </p:sp>
+        </mc:Choice>
+        <mc:Fallback>
+          <p:sp>
+            <p:nvSpPr>
+              <p:cNvPr id="3" name="Notes Placeholder 2"/>
+              <p:cNvSpPr>
+                <a:spLocks noGrp="1"/>
+              </p:cNvSpPr>
+              <p:nvPr>
+                <p:ph type="body" idx="1"/>
+              </p:nvPr>
+            </p:nvSpPr>
+            <p:spPr/>
+            <p:txBody>
+              <a:bodyPr/>
+              <a:lstStyle/>
+              <a:p>
+                <a:pPr marL="0" marR="0" lvl="0" indent="0" algn="l" defTabSz="914400" rtl="0" eaLnBrk="1" fontAlgn="auto" latinLnBrk="0" hangingPunct="1">
+                  <a:lnSpc>
+                    <a:spcPct val="100000"/>
+                  </a:lnSpc>
+                  <a:spcBef>
+                    <a:spcPts val="0"/>
+                  </a:spcBef>
+                  <a:spcAft>
+                    <a:spcPts val="0"/>
+                  </a:spcAft>
+                  <a:buClrTx/>
+                  <a:buSzTx/>
+                  <a:buFontTx/>
+                  <a:buNone/>
+                  <a:tabLst/>
+                  <a:defRPr/>
+                </a:pPr>
+                <a:r>
+                  <a:rPr lang="en-US" b="1" i="0">
+                    <a:latin typeface="Cambria Math" panose="02040503050406030204" pitchFamily="18" charset="0"/>
+                  </a:rPr>
+                  <a:t>𝒘</a:t>
+                </a:r>
+                <a:r>
+                  <a:rPr lang="en-US" b="0" i="0">
+                    <a:latin typeface="Cambria Math" panose="02040503050406030204" pitchFamily="18" charset="0"/>
+                  </a:rPr>
+                  <a:t>/‖</a:t>
+                </a:r>
+                <a:r>
+                  <a:rPr lang="en-US" b="1" i="0">
+                    <a:latin typeface="Cambria Math" panose="02040503050406030204" pitchFamily="18" charset="0"/>
+                  </a:rPr>
+                  <a:t>𝒘</a:t>
+                </a:r>
+                <a:r>
+                  <a:rPr lang="en-US" b="0" i="0">
+                    <a:latin typeface="Cambria Math" panose="02040503050406030204" pitchFamily="18" charset="0"/>
+                  </a:rPr>
+                  <a:t> ‖   𝑎𝑛𝑑 𝑦 𝑜𝑢 𝑔𝑒𝑡 ℎ𝑡𝑒 𝑢𝑛𝑖𝑡 𝑣𝑒𝑐𝑡𝑜𝑟</a:t>
+                </a:r>
+                <a:endParaRPr lang="en-US" dirty="0"/>
+              </a:p>
+            </p:txBody>
+          </p:sp>
+        </mc:Fallback>
+      </mc:AlternateContent>
+      <p:sp>
+        <p:nvSpPr>
+          <p:cNvPr id="4" name="Slide Number Placeholder 3"/>
+          <p:cNvSpPr>
+            <a:spLocks noGrp="1"/>
+          </p:cNvSpPr>
+          <p:nvPr>
+            <p:ph type="sldNum" sz="quarter" idx="5"/>
+          </p:nvPr>
+        </p:nvSpPr>
+        <p:spPr/>
+        <p:txBody>
+          <a:bodyPr/>
+          <a:lstStyle/>
+          <a:p>
+            <a:fld id="{65CF6084-2C3C-4FE7-B181-D16A3429058A}" type="slidenum">
+              <a:rPr lang="en-US" smtClean="0"/>
+              <a:t>20</a:t>
+            </a:fld>
+            <a:endParaRPr lang="en-US"/>
+          </a:p>
+        </p:txBody>
+      </p:sp>
+    </p:spTree>
+    <p:extLst>
+      <p:ext uri="{BB962C8B-B14F-4D97-AF65-F5344CB8AC3E}">
+        <p14:creationId xmlns:p14="http://schemas.microsoft.com/office/powerpoint/2010/main" val="2117172732"/>
+      </p:ext>
+    </p:extLst>
+  </p:cSld>
+  <p:clrMapOvr>
+    <a:masterClrMapping/>
+  </p:clrMapOvr>
+</p:notes>
+</file>
+
+<file path=ppt/notesSlides/notesSlide8.xml><?xml version="1.0" encoding="utf-8"?>
+<p:notes xmlns:a="http://schemas.openxmlformats.org/drawingml/2006/main" xmlns:r="http://schemas.openxmlformats.org/officeDocument/2006/relationships" xmlns:p="http://schemas.openxmlformats.org/presentationml/2006/main">
+  <p:cSld>
+    <p:spTree>
+      <p:nvGrpSpPr>
+        <p:cNvPr id="1" name=""/>
+        <p:cNvGrpSpPr/>
+        <p:nvPr/>
+      </p:nvGrpSpPr>
+      <p:grpSpPr>
+        <a:xfrm>
+          <a:off x="0" y="0"/>
+          <a:ext cx="0" cy="0"/>
+          <a:chOff x="0" y="0"/>
+          <a:chExt cx="0" cy="0"/>
+        </a:xfrm>
+      </p:grpSpPr>
+      <p:sp>
+        <p:nvSpPr>
+          <p:cNvPr id="2" name="Slide Image Placeholder 1"/>
+          <p:cNvSpPr>
+            <a:spLocks noGrp="1" noRot="1" noChangeAspect="1"/>
+          </p:cNvSpPr>
+          <p:nvPr>
+            <p:ph type="sldImg"/>
+          </p:nvPr>
+        </p:nvSpPr>
+        <p:spPr/>
+      </p:sp>
+      <p:sp>
+        <p:nvSpPr>
+          <p:cNvPr id="3" name="Notes Placeholder 2"/>
+          <p:cNvSpPr>
+            <a:spLocks noGrp="1"/>
+          </p:cNvSpPr>
+          <p:nvPr>
+            <p:ph type="body" idx="1"/>
+          </p:nvPr>
+        </p:nvSpPr>
+        <p:spPr/>
+        <p:txBody>
+          <a:bodyPr/>
+          <a:lstStyle/>
+          <a:p>
+            <a:r>
+              <a:rPr lang="en-US" dirty="0"/>
+              <a:t>Onley get a loss in case it gets misclassified</a:t>
+            </a:r>
+          </a:p>
+          <a:p>
+            <a:r>
+              <a:rPr lang="en-US" dirty="0" err="1"/>
+              <a:t>Losss</a:t>
+            </a:r>
+            <a:r>
+              <a:rPr lang="en-US" dirty="0"/>
+              <a:t> depends on how badly misclassified</a:t>
+            </a:r>
+          </a:p>
+          <a:p>
+            <a:endParaRPr lang="en-US" dirty="0"/>
+          </a:p>
+        </p:txBody>
+      </p:sp>
+      <p:sp>
+        <p:nvSpPr>
+          <p:cNvPr id="4" name="Slide Number Placeholder 3"/>
+          <p:cNvSpPr>
+            <a:spLocks noGrp="1"/>
+          </p:cNvSpPr>
+          <p:nvPr>
+            <p:ph type="sldNum" sz="quarter" idx="5"/>
+          </p:nvPr>
+        </p:nvSpPr>
+        <p:spPr/>
+        <p:txBody>
+          <a:bodyPr/>
+          <a:lstStyle/>
+          <a:p>
+            <a:fld id="{65CF6084-2C3C-4FE7-B181-D16A3429058A}" type="slidenum">
+              <a:rPr lang="en-US" smtClean="0"/>
+              <a:t>28</a:t>
+            </a:fld>
+            <a:endParaRPr lang="en-US"/>
+          </a:p>
+        </p:txBody>
+      </p:sp>
+    </p:spTree>
+    <p:extLst>
+      <p:ext uri="{BB962C8B-B14F-4D97-AF65-F5344CB8AC3E}">
+        <p14:creationId xmlns:p14="http://schemas.microsoft.com/office/powerpoint/2010/main" val="541639495"/>
+      </p:ext>
+    </p:extLst>
+  </p:cSld>
+  <p:clrMapOvr>
+    <a:masterClrMapping/>
+  </p:clrMapOvr>
+</p:notes>
+</file>
+
+<file path=ppt/notesSlides/notesSlide9.xml><?xml version="1.0" encoding="utf-8"?>
+<p:notes xmlns:a="http://schemas.openxmlformats.org/drawingml/2006/main" xmlns:r="http://schemas.openxmlformats.org/officeDocument/2006/relationships" xmlns:p="http://schemas.openxmlformats.org/presentationml/2006/main">
+  <p:cSld>
+    <p:spTree>
+      <p:nvGrpSpPr>
+        <p:cNvPr id="1" name=""/>
+        <p:cNvGrpSpPr/>
+        <p:nvPr/>
+      </p:nvGrpSpPr>
+      <p:grpSpPr>
+        <a:xfrm>
+          <a:off x="0" y="0"/>
+          <a:ext cx="0" cy="0"/>
+          <a:chOff x="0" y="0"/>
+          <a:chExt cx="0" cy="0"/>
+        </a:xfrm>
+      </p:grpSpPr>
+      <p:sp>
+        <p:nvSpPr>
+          <p:cNvPr id="2" name="Slide Image Placeholder 1"/>
+          <p:cNvSpPr>
+            <a:spLocks noGrp="1" noRot="1" noChangeAspect="1"/>
+          </p:cNvSpPr>
+          <p:nvPr>
+            <p:ph type="sldImg"/>
+          </p:nvPr>
+        </p:nvSpPr>
+        <p:spPr/>
+      </p:sp>
+      <mc:AlternateContent xmlns:mc="http://schemas.openxmlformats.org/markup-compatibility/2006">
+        <mc:Choice xmlns:a14="http://schemas.microsoft.com/office/drawing/2010/main" Requires="a14">
+          <p:sp>
+            <p:nvSpPr>
+              <p:cNvPr id="3" name="Notes Placeholder 2"/>
+              <p:cNvSpPr>
+                <a:spLocks noGrp="1"/>
+              </p:cNvSpPr>
+              <p:nvPr>
+                <p:ph type="body" idx="1"/>
+              </p:nvPr>
+            </p:nvSpPr>
+            <p:spPr/>
+            <p:txBody>
+              <a:bodyPr/>
+              <a:lstStyle/>
+              <a:p>
+                <a14:m>
+                  <m:oMath xmlns:m="http://schemas.openxmlformats.org/officeDocument/2006/math">
+                    <m:f>
+                      <m:fPr>
+                        <m:ctrlPr>
+                          <a:rPr lang="en-US" b="0" i="1" smtClean="0">
+                            <a:latin typeface="Cambria Math" panose="02040503050406030204" pitchFamily="18" charset="0"/>
+                          </a:rPr>
+                        </m:ctrlPr>
+                      </m:fPr>
+                      <m:num>
+                        <m:r>
+                          <a:rPr lang="en-US" b="0" i="1" smtClean="0">
+                            <a:latin typeface="Cambria Math" panose="02040503050406030204" pitchFamily="18" charset="0"/>
+                          </a:rPr>
+                          <m:t>1</m:t>
+                        </m:r>
+                      </m:num>
+                      <m:den>
+                        <m:r>
+                          <a:rPr lang="en-US" b="0" i="1" smtClean="0">
+                            <a:latin typeface="Cambria Math" panose="02040503050406030204" pitchFamily="18" charset="0"/>
+                          </a:rPr>
+                          <m:t>2</m:t>
+                        </m:r>
+                      </m:den>
+                    </m:f>
+                    <m:sSup>
+                      <m:sSupPr>
+                        <m:ctrlPr>
+                          <a:rPr lang="en-US" i="1">
+                            <a:latin typeface="Cambria Math" panose="02040503050406030204" pitchFamily="18" charset="0"/>
+                          </a:rPr>
+                        </m:ctrlPr>
+                      </m:sSupPr>
+                      <m:e>
+                        <m:d>
+                          <m:dPr>
+                            <m:begChr m:val="‖"/>
+                            <m:endChr m:val="‖"/>
+                            <m:ctrlPr>
+                              <a:rPr lang="en-US" i="1">
+                                <a:latin typeface="Cambria Math" panose="02040503050406030204" pitchFamily="18" charset="0"/>
+                              </a:rPr>
+                            </m:ctrlPr>
+                          </m:dPr>
+                          <m:e>
+                            <m:r>
+                              <a:rPr lang="en-US" b="1" i="1" smtClean="0">
+                                <a:latin typeface="Cambria Math" panose="02040503050406030204" pitchFamily="18" charset="0"/>
+                              </a:rPr>
+                              <m:t>𝒘</m:t>
+                            </m:r>
+                          </m:e>
+                        </m:d>
+                      </m:e>
+                      <m:sup>
+                        <m:r>
+                          <a:rPr lang="en-US" i="1">
+                            <a:latin typeface="Cambria Math" panose="02040503050406030204" pitchFamily="18" charset="0"/>
+                          </a:rPr>
+                          <m:t>2</m:t>
+                        </m:r>
+                      </m:sup>
+                    </m:sSup>
+                  </m:oMath>
+                </a14:m>
+                <a:r>
+                  <a:rPr lang="en-US" dirty="0"/>
+                  <a:t> will give small weights</a:t>
+                </a:r>
+                <a:r>
+                  <a:rPr lang="en-US" baseline="0" dirty="0"/>
+                  <a:t> and related </a:t>
+                </a:r>
+                <a:r>
+                  <a:rPr lang="en-US" baseline="0" dirty="0" err="1"/>
+                  <a:t>ot</a:t>
+                </a:r>
+                <a:r>
+                  <a:rPr lang="en-US" baseline="0" dirty="0"/>
+                  <a:t> the margin</a:t>
+                </a:r>
+              </a:p>
+              <a:p>
+                <a:endParaRPr lang="en-US" baseline="0" dirty="0"/>
+              </a:p>
+              <a:p>
+                <a:r>
+                  <a:rPr lang="en-US" baseline="0" dirty="0"/>
+                  <a:t>Choose the smallest possible w which minimizes J will </a:t>
+                </a:r>
+                <a:r>
+                  <a:rPr lang="en-US" baseline="0" dirty="0" err="1"/>
+                  <a:t>automiatically</a:t>
+                </a:r>
+                <a:r>
+                  <a:rPr lang="en-US" baseline="0" dirty="0"/>
+                  <a:t> maximize </a:t>
+                </a:r>
+              </a:p>
+              <a:p>
+                <a:r>
+                  <a:rPr lang="en-US" baseline="0" dirty="0"/>
+                  <a:t> margin =&gt; </a:t>
+                </a:r>
+              </a:p>
+              <a:p>
+                <a:endParaRPr lang="en-US" baseline="0" dirty="0"/>
+              </a:p>
+              <a:p>
+                <a:r>
+                  <a:rPr lang="en-US" dirty="0"/>
+                  <a:t>margin=</a:t>
+                </a:r>
+                <a14:m>
+                  <m:oMath xmlns:m="http://schemas.openxmlformats.org/officeDocument/2006/math">
+                    <m:f>
+                      <m:fPr>
+                        <m:type m:val="lin"/>
+                        <m:ctrlPr>
+                          <a:rPr lang="en-US" i="1" smtClean="0">
+                            <a:latin typeface="Cambria Math" panose="02040503050406030204" pitchFamily="18" charset="0"/>
+                          </a:rPr>
+                        </m:ctrlPr>
+                      </m:fPr>
+                      <m:num>
+                        <m:r>
+                          <a:rPr lang="en-US" b="0" i="1" smtClean="0">
+                            <a:latin typeface="Cambria Math" panose="02040503050406030204" pitchFamily="18" charset="0"/>
+                          </a:rPr>
+                          <m:t>1</m:t>
+                        </m:r>
+                      </m:num>
+                      <m:den>
+                        <m:d>
+                          <m:dPr>
+                            <m:begChr m:val="‖"/>
+                            <m:endChr m:val="‖"/>
+                            <m:ctrlPr>
+                              <a:rPr lang="en-US" i="1">
+                                <a:latin typeface="Cambria Math" panose="02040503050406030204" pitchFamily="18" charset="0"/>
+                              </a:rPr>
+                            </m:ctrlPr>
+                          </m:dPr>
+                          <m:e>
+                            <m:r>
+                              <a:rPr lang="en-US" b="1" i="1" smtClean="0">
+                                <a:latin typeface="Cambria Math" panose="02040503050406030204" pitchFamily="18" charset="0"/>
+                              </a:rPr>
+                              <m:t>𝒘</m:t>
+                            </m:r>
+                          </m:e>
+                        </m:d>
+                      </m:den>
+                    </m:f>
+                  </m:oMath>
+                </a14:m>
+                <a:r>
+                  <a:rPr lang="en-US" baseline="0" dirty="0"/>
+                  <a:t> will be </a:t>
+                </a:r>
+                <a:r>
+                  <a:rPr lang="en-US" baseline="0" dirty="0" err="1"/>
+                  <a:t>maximinzed</a:t>
+                </a:r>
+                <a:r>
+                  <a:rPr lang="en-US" baseline="0" dirty="0"/>
+                  <a:t> </a:t>
+                </a:r>
+              </a:p>
+              <a:p>
+                <a:endParaRPr lang="en-US" dirty="0"/>
+              </a:p>
+            </p:txBody>
+          </p:sp>
+        </mc:Choice>
+        <mc:Fallback>
+          <p:sp>
+            <p:nvSpPr>
+              <p:cNvPr id="3" name="Notes Placeholder 2"/>
+              <p:cNvSpPr>
+                <a:spLocks noGrp="1"/>
+              </p:cNvSpPr>
+              <p:nvPr>
+                <p:ph type="body" idx="1"/>
+              </p:nvPr>
+            </p:nvSpPr>
+            <p:spPr/>
+            <p:txBody>
+              <a:bodyPr/>
+              <a:lstStyle/>
+              <a:p>
+                <a:r>
+                  <a:rPr lang="en-US" b="0" i="0">
+                    <a:latin typeface="Cambria Math" panose="02040503050406030204" pitchFamily="18" charset="0"/>
+                  </a:rPr>
+                  <a:t>1/2 </a:t>
+                </a:r>
+                <a:r>
+                  <a:rPr lang="en-US" i="0">
+                    <a:latin typeface="Cambria Math" panose="02040503050406030204" pitchFamily="18" charset="0"/>
+                  </a:rPr>
+                  <a:t>‖</a:t>
+                </a:r>
+                <a:r>
+                  <a:rPr lang="en-US" b="1" i="0">
+                    <a:latin typeface="Cambria Math" panose="02040503050406030204" pitchFamily="18" charset="0"/>
+                  </a:rPr>
+                  <a:t>𝒘‖^</a:t>
+                </a:r>
+                <a:r>
+                  <a:rPr lang="en-US" i="0">
+                    <a:latin typeface="Cambria Math" panose="02040503050406030204" pitchFamily="18" charset="0"/>
+                  </a:rPr>
+                  <a:t>2</a:t>
+                </a:r>
+                <a:r>
+                  <a:rPr lang="en-US" dirty="0"/>
+                  <a:t> will give small weights</a:t>
+                </a:r>
+                <a:r>
+                  <a:rPr lang="en-US" baseline="0" dirty="0"/>
+                  <a:t> and related </a:t>
+                </a:r>
+                <a:r>
+                  <a:rPr lang="en-US" baseline="0" dirty="0" err="1"/>
+                  <a:t>ot</a:t>
+                </a:r>
+                <a:r>
+                  <a:rPr lang="en-US" baseline="0" dirty="0"/>
+                  <a:t> the margin</a:t>
+                </a:r>
+              </a:p>
+              <a:p>
+                <a:endParaRPr lang="en-US" baseline="0" dirty="0"/>
+              </a:p>
+              <a:p>
+                <a:r>
+                  <a:rPr lang="en-US" baseline="0" dirty="0"/>
+                  <a:t>Choose the smallest possible w which minimizes J will </a:t>
+                </a:r>
+                <a:r>
+                  <a:rPr lang="en-US" baseline="0" dirty="0" err="1"/>
+                  <a:t>automiatically</a:t>
+                </a:r>
+                <a:r>
+                  <a:rPr lang="en-US" baseline="0" dirty="0"/>
+                  <a:t> maximize </a:t>
+                </a:r>
+              </a:p>
+              <a:p>
+                <a:r>
+                  <a:rPr lang="en-US" baseline="0" dirty="0"/>
+                  <a:t> margin =&gt; </a:t>
+                </a:r>
+              </a:p>
+              <a:p>
+                <a:endParaRPr lang="en-US" baseline="0" dirty="0"/>
+              </a:p>
+              <a:p>
+                <a:r>
+                  <a:rPr lang="en-US" dirty="0"/>
+                  <a:t>margin=</a:t>
+                </a:r>
+                <a:r>
+                  <a:rPr lang="en-US" b="0" i="0">
+                    <a:latin typeface="Cambria Math" panose="02040503050406030204" pitchFamily="18" charset="0"/>
+                  </a:rPr>
+                  <a:t>1∕‖</a:t>
+                </a:r>
+                <a:r>
+                  <a:rPr lang="en-US" b="1" i="0">
+                    <a:latin typeface="Cambria Math" panose="02040503050406030204" pitchFamily="18" charset="0"/>
+                  </a:rPr>
+                  <a:t>𝒘‖ </a:t>
+                </a:r>
+                <a:r>
+                  <a:rPr lang="en-US" baseline="0" dirty="0"/>
+                  <a:t> will be </a:t>
+                </a:r>
+                <a:r>
+                  <a:rPr lang="en-US" baseline="0" dirty="0" err="1"/>
+                  <a:t>maximinzed</a:t>
+                </a:r>
+                <a:r>
+                  <a:rPr lang="en-US" baseline="0" dirty="0"/>
+                  <a:t> </a:t>
+                </a:r>
+              </a:p>
+              <a:p>
+                <a:endParaRPr lang="en-US" dirty="0"/>
+              </a:p>
+            </p:txBody>
+          </p:sp>
+        </mc:Fallback>
+      </mc:AlternateContent>
+      <p:sp>
+        <p:nvSpPr>
+          <p:cNvPr id="4" name="Slide Number Placeholder 3"/>
+          <p:cNvSpPr>
+            <a:spLocks noGrp="1"/>
+          </p:cNvSpPr>
+          <p:nvPr>
+            <p:ph type="sldNum" sz="quarter" idx="5"/>
+          </p:nvPr>
+        </p:nvSpPr>
+        <p:spPr/>
+        <p:txBody>
+          <a:bodyPr/>
+          <a:lstStyle/>
+          <a:p>
+            <a:fld id="{65CF6084-2C3C-4FE7-B181-D16A3429058A}" type="slidenum">
+              <a:rPr lang="en-US" smtClean="0"/>
+              <a:t>29</a:t>
+            </a:fld>
+            <a:endParaRPr lang="en-US"/>
+          </a:p>
+        </p:txBody>
+      </p:sp>
+    </p:spTree>
+    <p:extLst>
+      <p:ext uri="{BB962C8B-B14F-4D97-AF65-F5344CB8AC3E}">
+        <p14:creationId xmlns:p14="http://schemas.microsoft.com/office/powerpoint/2010/main" val="3275576888"/>
+      </p:ext>
+    </p:extLst>
+  </p:cSld>
+  <p:clrMapOvr>
+    <a:masterClrMapping/>
+  </p:clrMapOvr>
+</p:notes>
 </file>
 
 <file path=ppt/slideLayouts/slideLayout1.xml><?xml version="1.0" encoding="utf-8"?>
@@ -4070,7 +5392,9 @@
         </p:nvSpPr>
         <p:spPr/>
         <p:txBody>
-          <a:bodyPr/>
+          <a:bodyPr>
+            <a:normAutofit fontScale="92500" lnSpcReduction="10000"/>
+          </a:bodyPr>
           <a:lstStyle/>
           <a:p>
             <a:r>
@@ -4089,15 +5413,7 @@
           <a:p>
             <a:r>
               <a:rPr lang="en-US" dirty="0"/>
-              <a:t>Prof. </a:t>
-            </a:r>
-            <a:r>
-              <a:rPr lang="en-US" dirty="0" err="1"/>
-              <a:t>Sundeep</a:t>
-            </a:r>
-            <a:r>
-              <a:rPr lang="en-US" dirty="0"/>
-              <a:t> </a:t>
+              <a:t>Prof. Sundeep </a:t>
             </a:r>
             <a:r>
               <a:rPr lang="en-US" dirty="0" err="1"/>
@@ -4105,7 +5421,7 @@
             </a:r>
             <a:r>
               <a:rPr lang="en-US" dirty="0"/>
-              <a:t>, With Modification by Yao Wang</a:t>
+              <a:t>, With Modifications by Yao Wang and gustavo sandoval</a:t>
             </a:r>
           </a:p>
         </p:txBody>
@@ -5767,8 +7083,8 @@
           </a:p>
         </p:txBody>
       </p:sp>
-      <mc:AlternateContent xmlns:mc="http://schemas.openxmlformats.org/markup-compatibility/2006" xmlns:a14="http://schemas.microsoft.com/office/drawing/2010/main">
-        <mc:Choice Requires="a14">
+      <mc:AlternateContent xmlns:mc="http://schemas.openxmlformats.org/markup-compatibility/2006">
+        <mc:Choice xmlns:a14="http://schemas.microsoft.com/office/drawing/2010/main" Requires="a14">
           <p:sp>
             <p:nvSpPr>
               <p:cNvPr id="3" name="Content Placeholder 2"/>
@@ -5994,7 +7310,7 @@
                 </a:r>
                 <a:r>
                   <a:rPr lang="en-US" dirty="0"/>
-                  <a:t> (proof on board):  If </a:t>
+                  <a:t>:  If </a:t>
                 </a:r>
                 <a14:m>
                   <m:oMath xmlns:m="http://schemas.openxmlformats.org/officeDocument/2006/math">
@@ -6447,7 +7763,7 @@
             </p:txBody>
           </p:sp>
         </mc:Choice>
-        <mc:Fallback xmlns="">
+        <mc:Fallback>
           <p:sp>
             <p:nvSpPr>
               <p:cNvPr id="3" name="Content Placeholder 2"/>
@@ -6460,9 +7776,9 @@
             </p:nvSpPr>
             <p:spPr>
               <a:blipFill>
-                <a:blip r:embed="rId2"/>
+                <a:blip r:embed="rId3"/>
                 <a:stretch>
-                  <a:fillRect l="-1261" t="-1170"/>
+                  <a:fillRect l="-1455" t="-1268"/>
                 </a:stretch>
               </a:blipFill>
             </p:spPr>
@@ -6663,7 +7979,7 @@
             </p:nvSpPr>
             <p:spPr>
               <a:blipFill>
-                <a:blip r:embed="rId2"/>
+                <a:blip r:embed="rId3"/>
                 <a:stretch>
                   <a:fillRect l="-1455" t="-1549"/>
                 </a:stretch>
@@ -6716,7 +8032,7 @@
           <p:nvPr/>
         </p:nvPicPr>
         <p:blipFill>
-          <a:blip r:embed="rId3"/>
+          <a:blip r:embed="rId4"/>
           <a:stretch>
             <a:fillRect/>
           </a:stretch>
@@ -6838,7 +8154,31 @@
           <a:p>
             <a:r>
               <a:rPr lang="en-US" dirty="0"/>
-              <a:t>Linear weighting cannot capture many deformities in image</a:t>
+              <a:t>Linear weighting </a:t>
+            </a:r>
+            <a:r>
+              <a:rPr lang="en-US" dirty="0">
+                <a:solidFill>
+                  <a:srgbClr val="FF0000"/>
+                </a:solidFill>
+              </a:rPr>
+              <a:t>cannot</a:t>
+            </a:r>
+            <a:r>
+              <a:rPr lang="en-US" dirty="0"/>
+              <a:t> capture many </a:t>
+            </a:r>
+            <a:r>
+              <a:rPr lang="en-US" dirty="0">
+                <a:solidFill>
+                  <a:srgbClr val="FF0000"/>
+                </a:solidFill>
+              </a:rPr>
+              <a:t>deformities</a:t>
+            </a:r>
+            <a:r>
+              <a:rPr lang="en-US" dirty="0"/>
+              <a:t> in image</a:t>
             </a:r>
           </a:p>
           <a:p>
@@ -6928,7 +8268,7 @@
 </file>
 
 <file path=ppt/slides/slide15.xml><?xml version="1.0" encoding="utf-8"?>
-<p:sld xmlns:a="http://schemas.openxmlformats.org/drawingml/2006/main" xmlns:r="http://schemas.openxmlformats.org/officeDocument/2006/relationships" xmlns:p="http://schemas.openxmlformats.org/presentationml/2006/main">
+<p:sld xmlns:a="http://schemas.openxmlformats.org/drawingml/2006/main" xmlns:r="http://schemas.openxmlformats.org/officeDocument/2006/relationships" xmlns:p="http://schemas.openxmlformats.org/presentationml/2006/main" show="0">
   <p:cSld>
     <p:spTree>
       <p:nvGrpSpPr>
@@ -6991,6 +8331,12 @@
             <a:r>
               <a:rPr lang="en-US" dirty="0"/>
               <a:t>Why logistic regression doesn’t work well.</a:t>
+            </a:r>
+          </a:p>
+          <a:p>
+            <a:r>
+              <a:rPr lang="en-US" dirty="0"/>
+              <a:t>From Logistic Regression to SVM</a:t>
             </a:r>
           </a:p>
           <a:p>
@@ -7102,6 +8448,1116 @@
 </file>
 
 <file path=ppt/slides/slide16.xml><?xml version="1.0" encoding="utf-8"?>
+<p:sld xmlns:a="http://schemas.openxmlformats.org/drawingml/2006/main" xmlns:r="http://schemas.openxmlformats.org/officeDocument/2006/relationships" xmlns:p="http://schemas.openxmlformats.org/presentationml/2006/main" show="0">
+  <p:cSld>
+    <p:spTree>
+      <p:nvGrpSpPr>
+        <p:cNvPr id="1" name=""/>
+        <p:cNvGrpSpPr/>
+        <p:nvPr/>
+      </p:nvGrpSpPr>
+      <p:grpSpPr>
+        <a:xfrm>
+          <a:off x="0" y="0"/>
+          <a:ext cx="0" cy="0"/>
+          <a:chOff x="0" y="0"/>
+          <a:chExt cx="0" cy="0"/>
+        </a:xfrm>
+      </p:grpSpPr>
+      <p:sp>
+        <p:nvSpPr>
+          <p:cNvPr id="2" name="Title 1"/>
+          <p:cNvSpPr>
+            <a:spLocks noGrp="1"/>
+          </p:cNvSpPr>
+          <p:nvPr>
+            <p:ph type="title"/>
+          </p:nvPr>
+        </p:nvSpPr>
+        <p:spPr>
+          <a:xfrm>
+            <a:off x="1087120" y="286603"/>
+            <a:ext cx="10058400" cy="1040211"/>
+          </a:xfrm>
+        </p:spPr>
+        <p:txBody>
+          <a:bodyPr/>
+          <a:lstStyle/>
+          <a:p>
+            <a:r>
+              <a:rPr lang="en-US" dirty="0"/>
+              <a:t>Recall: Logistic Regression</a:t>
+            </a:r>
+          </a:p>
+        </p:txBody>
+      </p:sp>
+      <mc:AlternateContent xmlns:mc="http://schemas.openxmlformats.org/markup-compatibility/2006">
+        <mc:Choice xmlns:a14="http://schemas.microsoft.com/office/drawing/2010/main" Requires="a14">
+          <p:sp>
+            <p:nvSpPr>
+              <p:cNvPr id="3" name="Content Placeholder 2"/>
+              <p:cNvSpPr>
+                <a:spLocks noGrp="1"/>
+              </p:cNvSpPr>
+              <p:nvPr>
+                <p:ph idx="1"/>
+              </p:nvPr>
+            </p:nvSpPr>
+            <p:spPr/>
+            <p:txBody>
+              <a:bodyPr/>
+              <a:lstStyle/>
+              <a:p>
+                <a:r>
+                  <a:rPr lang="en-US" sz="2400" dirty="0">
+                    <a:solidFill>
+                      <a:schemeClr val="tx2">
+                        <a:lumMod val="60000"/>
+                        <a:lumOff val="40000"/>
+                      </a:schemeClr>
+                    </a:solidFill>
+                  </a:rPr>
+                  <a:t>Logistic function</a:t>
+                </a:r>
+                <a:r>
+                  <a:rPr lang="en-US" sz="2400" dirty="0"/>
+                  <a:t>: </a:t>
+                </a:r>
+              </a:p>
+              <a:p>
+                <a:endParaRPr lang="en-US" sz="2400" i="1" dirty="0">
+                  <a:latin typeface="Cambria Math" panose="02040503050406030204" pitchFamily="18" charset="0"/>
+                </a:endParaRPr>
+              </a:p>
+              <a:p>
+                <a14:m>
+                  <m:oMath xmlns:m="http://schemas.openxmlformats.org/officeDocument/2006/math">
+                    <m:r>
+                      <a:rPr lang="en-US" sz="2400" i="1" smtClean="0">
+                        <a:latin typeface="Cambria Math" panose="02040503050406030204" pitchFamily="18" charset="0"/>
+                      </a:rPr>
+                      <m:t>𝑓</m:t>
+                    </m:r>
+                    <m:d>
+                      <m:dPr>
+                        <m:ctrlPr>
+                          <a:rPr lang="en-US" sz="2400" i="1">
+                            <a:latin typeface="Cambria Math" panose="02040503050406030204" pitchFamily="18" charset="0"/>
+                          </a:rPr>
+                        </m:ctrlPr>
+                      </m:dPr>
+                      <m:e>
+                        <m:r>
+                          <a:rPr lang="en-US" sz="2400" i="1">
+                            <a:latin typeface="Cambria Math" panose="02040503050406030204" pitchFamily="18" charset="0"/>
+                          </a:rPr>
+                          <m:t>𝑧</m:t>
+                        </m:r>
+                      </m:e>
+                    </m:d>
+                    <m:r>
+                      <a:rPr lang="en-US" sz="2400" i="1">
+                        <a:latin typeface="Cambria Math" panose="02040503050406030204" pitchFamily="18" charset="0"/>
+                      </a:rPr>
+                      <m:t>=1/(1+</m:t>
+                    </m:r>
+                    <m:sSup>
+                      <m:sSupPr>
+                        <m:ctrlPr>
+                          <a:rPr lang="en-US" sz="2400" i="1">
+                            <a:latin typeface="Cambria Math" panose="02040503050406030204" pitchFamily="18" charset="0"/>
+                          </a:rPr>
+                        </m:ctrlPr>
+                      </m:sSupPr>
+                      <m:e>
+                        <m:r>
+                          <a:rPr lang="en-US" sz="2400" i="1">
+                            <a:latin typeface="Cambria Math" panose="02040503050406030204" pitchFamily="18" charset="0"/>
+                          </a:rPr>
+                          <m:t>𝑒</m:t>
+                        </m:r>
+                      </m:e>
+                      <m:sup>
+                        <m:r>
+                          <a:rPr lang="en-US" sz="2400" i="1">
+                            <a:latin typeface="Cambria Math" panose="02040503050406030204" pitchFamily="18" charset="0"/>
+                          </a:rPr>
+                          <m:t>−</m:t>
+                        </m:r>
+                        <m:r>
+                          <a:rPr lang="en-US" sz="2400" i="1">
+                            <a:latin typeface="Cambria Math" panose="02040503050406030204" pitchFamily="18" charset="0"/>
+                          </a:rPr>
+                          <m:t>𝑧</m:t>
+                        </m:r>
+                      </m:sup>
+                    </m:sSup>
+                    <m:r>
+                      <a:rPr lang="en-US" sz="2400" i="1">
+                        <a:latin typeface="Cambria Math" panose="02040503050406030204" pitchFamily="18" charset="0"/>
+                      </a:rPr>
+                      <m:t>)</m:t>
+                    </m:r>
+                  </m:oMath>
+                </a14:m>
+                <a:r>
+                  <a:rPr lang="en-US" sz="2400" dirty="0"/>
+                  <a:t> </a:t>
+                </a:r>
+              </a:p>
+              <a:p>
+                <a14:m>
+                  <m:oMath xmlns:m="http://schemas.openxmlformats.org/officeDocument/2006/math">
+                    <m:r>
+                      <a:rPr lang="en-US" sz="2200" i="1" smtClean="0">
+                        <a:latin typeface="Cambria Math" panose="02040503050406030204" pitchFamily="18" charset="0"/>
+                      </a:rPr>
+                      <m:t>𝑧</m:t>
+                    </m:r>
+                    <m:r>
+                      <a:rPr lang="en-US" sz="2200" i="1" smtClean="0">
+                        <a:latin typeface="Cambria Math" panose="02040503050406030204" pitchFamily="18" charset="0"/>
+                      </a:rPr>
+                      <m:t>=</m:t>
+                    </m:r>
+                    <m:r>
+                      <a:rPr lang="en-US" sz="2200" i="1" smtClean="0">
+                        <a:latin typeface="Cambria Math" panose="02040503050406030204" pitchFamily="18" charset="0"/>
+                      </a:rPr>
+                      <m:t>𝑤𝑇</m:t>
+                    </m:r>
+                    <m:r>
+                      <a:rPr lang="en-US" sz="2200" i="1" smtClean="0">
+                        <a:latin typeface="Cambria Math" panose="02040503050406030204" pitchFamily="18" charset="0"/>
+                      </a:rPr>
+                      <m:t> </m:t>
+                    </m:r>
+                    <m:r>
+                      <a:rPr lang="en-US" sz="2200" i="1" smtClean="0">
+                        <a:latin typeface="Cambria Math" panose="02040503050406030204" pitchFamily="18" charset="0"/>
+                      </a:rPr>
+                      <m:t>𝑥</m:t>
+                    </m:r>
+                  </m:oMath>
+                </a14:m>
+                <a:endParaRPr lang="en-US" sz="2200" dirty="0"/>
+              </a:p>
+              <a:p>
+                <a:pPr lvl="1"/>
+                <a:endParaRPr lang="en-US" sz="2000" dirty="0"/>
+              </a:p>
+              <a:p>
+                <a:pPr lvl="1"/>
+                <a:endParaRPr lang="en-US" sz="2000" dirty="0"/>
+              </a:p>
+              <a:p>
+                <a:pPr lvl="1"/>
+                <a:endParaRPr lang="en-US" sz="2000" dirty="0"/>
+              </a:p>
+              <a:p>
+                <a:pPr marL="201168" lvl="1" indent="0">
+                  <a:buNone/>
+                </a:pPr>
+                <a:endParaRPr lang="en-US" dirty="0"/>
+              </a:p>
+              <a:p>
+                <a:pPr lvl="1"/>
+                <a:endParaRPr lang="en-US" dirty="0"/>
+              </a:p>
+              <a:p>
+                <a:pPr marL="201168" lvl="1" indent="0">
+                  <a:buNone/>
+                </a:pPr>
+                <a:endParaRPr lang="en-US" dirty="0"/>
+              </a:p>
+              <a:p>
+                <a:pPr lvl="1"/>
+                <a:endParaRPr lang="en-US" b="0" dirty="0"/>
+              </a:p>
+              <a:p>
+                <a:pPr lvl="1"/>
+                <a:endParaRPr lang="en-US" dirty="0"/>
+              </a:p>
+            </p:txBody>
+          </p:sp>
+        </mc:Choice>
+        <mc:Fallback>
+          <p:sp>
+            <p:nvSpPr>
+              <p:cNvPr id="3" name="Content Placeholder 2"/>
+              <p:cNvSpPr>
+                <a:spLocks noGrp="1" noRot="1" noChangeAspect="1" noMove="1" noResize="1" noEditPoints="1" noAdjustHandles="1" noChangeArrowheads="1" noChangeShapeType="1" noTextEdit="1"/>
+              </p:cNvSpPr>
+              <p:nvPr>
+                <p:ph idx="1"/>
+              </p:nvPr>
+            </p:nvSpPr>
+            <p:spPr>
+              <a:blipFill>
+                <a:blip r:embed="rId2"/>
+                <a:stretch>
+                  <a:fillRect l="-1697" t="-1972"/>
+                </a:stretch>
+              </a:blipFill>
+            </p:spPr>
+            <p:txBody>
+              <a:bodyPr/>
+              <a:lstStyle/>
+              <a:p>
+                <a:r>
+                  <a:rPr lang="en-US">
+                    <a:noFill/>
+                  </a:rPr>
+                  <a:t> </a:t>
+                </a:r>
+              </a:p>
+            </p:txBody>
+          </p:sp>
+        </mc:Fallback>
+      </mc:AlternateContent>
+      <p:sp>
+        <p:nvSpPr>
+          <p:cNvPr id="4" name="Slide Number Placeholder 3"/>
+          <p:cNvSpPr>
+            <a:spLocks noGrp="1"/>
+          </p:cNvSpPr>
+          <p:nvPr>
+            <p:ph type="sldNum" sz="quarter" idx="12"/>
+          </p:nvPr>
+        </p:nvSpPr>
+        <p:spPr/>
+        <p:txBody>
+          <a:bodyPr/>
+          <a:lstStyle/>
+          <a:p>
+            <a:fld id="{629637A9-119A-49DA-BD12-AAC58B377D80}" type="slidenum">
+              <a:rPr lang="en-US" smtClean="0"/>
+              <a:t>16</a:t>
+            </a:fld>
+            <a:endParaRPr lang="en-US" dirty="0"/>
+          </a:p>
+        </p:txBody>
+      </p:sp>
+      <p:pic>
+        <p:nvPicPr>
+          <p:cNvPr id="6146" name="Picture 2" descr="https://upload.wikimedia.org/wikipedia/commons/thumb/8/88/Logistic-curve.svg/600px-Logistic-curve.svg.png"/>
+          <p:cNvPicPr>
+            <a:picLocks noChangeAspect="1" noChangeArrowheads="1"/>
+          </p:cNvPicPr>
+          <p:nvPr/>
+        </p:nvPicPr>
+        <p:blipFill>
+          <a:blip r:embed="rId3">
+            <a:extLst>
+              <a:ext uri="{28A0092B-C50C-407E-A947-70E740481C1C}">
+                <a14:useLocalDpi xmlns:a14="http://schemas.microsoft.com/office/drawing/2010/main" val="0"/>
+              </a:ext>
+            </a:extLst>
+          </a:blip>
+          <a:srcRect/>
+          <a:stretch>
+            <a:fillRect/>
+          </a:stretch>
+        </p:blipFill>
+        <p:spPr bwMode="auto">
+          <a:xfrm>
+            <a:off x="6453059" y="2993619"/>
+            <a:ext cx="3816096" cy="2544064"/>
+          </a:xfrm>
+          <a:prstGeom prst="rect">
+            <a:avLst/>
+          </a:prstGeom>
+          <a:noFill/>
+          <a:extLst>
+            <a:ext uri="{909E8E84-426E-40DD-AFC4-6F175D3DCCD1}">
+              <a14:hiddenFill xmlns:a14="http://schemas.microsoft.com/office/drawing/2010/main">
+                <a:solidFill>
+                  <a:srgbClr val="FFFFFF"/>
+                </a:solidFill>
+              </a14:hiddenFill>
+            </a:ext>
+          </a:extLst>
+        </p:spPr>
+      </p:pic>
+      <mc:AlternateContent xmlns:mc="http://schemas.openxmlformats.org/markup-compatibility/2006">
+        <mc:Choice xmlns:a14="http://schemas.microsoft.com/office/drawing/2010/main" Requires="a14">
+          <p:sp>
+            <p:nvSpPr>
+              <p:cNvPr id="5" name="TextBox 4">
+                <a:extLst>
+                  <a:ext uri="{FF2B5EF4-FFF2-40B4-BE49-F238E27FC236}">
+                    <a16:creationId xmlns:a16="http://schemas.microsoft.com/office/drawing/2014/main" id="{4ADC216E-A7CC-4D09-9045-A28DE2C4AF95}"/>
+                  </a:ext>
+                </a:extLst>
+              </p:cNvPr>
+              <p:cNvSpPr txBox="1"/>
+              <p:nvPr/>
+            </p:nvSpPr>
+            <p:spPr>
+              <a:xfrm>
+                <a:off x="9829799" y="2754637"/>
+                <a:ext cx="2362201" cy="369332"/>
+              </a:xfrm>
+              <a:prstGeom prst="rect">
+                <a:avLst/>
+              </a:prstGeom>
+              <a:noFill/>
+            </p:spPr>
+            <p:txBody>
+              <a:bodyPr wrap="square" rtlCol="0">
+                <a:spAutoFit/>
+              </a:bodyPr>
+              <a:lstStyle/>
+              <a:p>
+                <a14:m>
+                  <m:oMath xmlns:m="http://schemas.openxmlformats.org/officeDocument/2006/math">
+                    <m:r>
+                      <a:rPr lang="en-US" i="1">
+                        <a:latin typeface="Cambria Math" panose="02040503050406030204" pitchFamily="18" charset="0"/>
+                      </a:rPr>
+                      <m:t>𝑓</m:t>
+                    </m:r>
+                    <m:d>
+                      <m:dPr>
+                        <m:ctrlPr>
+                          <a:rPr lang="en-US" i="1">
+                            <a:latin typeface="Cambria Math" panose="02040503050406030204" pitchFamily="18" charset="0"/>
+                          </a:rPr>
+                        </m:ctrlPr>
+                      </m:dPr>
+                      <m:e>
+                        <m:r>
+                          <a:rPr lang="en-US" i="1">
+                            <a:latin typeface="Cambria Math" panose="02040503050406030204" pitchFamily="18" charset="0"/>
+                          </a:rPr>
+                          <m:t>𝑧</m:t>
+                        </m:r>
+                      </m:e>
+                    </m:d>
+                    <m:r>
+                      <a:rPr lang="en-US" i="1">
+                        <a:latin typeface="Cambria Math" panose="02040503050406030204" pitchFamily="18" charset="0"/>
+                      </a:rPr>
+                      <m:t>=1/(1+</m:t>
+                    </m:r>
+                    <m:sSup>
+                      <m:sSupPr>
+                        <m:ctrlPr>
+                          <a:rPr lang="en-US" i="1">
+                            <a:latin typeface="Cambria Math" panose="02040503050406030204" pitchFamily="18" charset="0"/>
+                          </a:rPr>
+                        </m:ctrlPr>
+                      </m:sSupPr>
+                      <m:e>
+                        <m:r>
+                          <a:rPr lang="en-US" i="1">
+                            <a:latin typeface="Cambria Math" panose="02040503050406030204" pitchFamily="18" charset="0"/>
+                          </a:rPr>
+                          <m:t>𝑒</m:t>
+                        </m:r>
+                      </m:e>
+                      <m:sup>
+                        <m:r>
+                          <a:rPr lang="en-US" i="1">
+                            <a:latin typeface="Cambria Math" panose="02040503050406030204" pitchFamily="18" charset="0"/>
+                          </a:rPr>
+                          <m:t>−</m:t>
+                        </m:r>
+                        <m:r>
+                          <a:rPr lang="en-US" i="1">
+                            <a:latin typeface="Cambria Math" panose="02040503050406030204" pitchFamily="18" charset="0"/>
+                          </a:rPr>
+                          <m:t>𝑧</m:t>
+                        </m:r>
+                      </m:sup>
+                    </m:sSup>
+                    <m:r>
+                      <a:rPr lang="en-US" i="1">
+                        <a:latin typeface="Cambria Math" panose="02040503050406030204" pitchFamily="18" charset="0"/>
+                      </a:rPr>
+                      <m:t>)</m:t>
+                    </m:r>
+                  </m:oMath>
+                </a14:m>
+                <a:r>
+                  <a:rPr lang="en-US" dirty="0"/>
+                  <a:t> </a:t>
+                </a:r>
+              </a:p>
+            </p:txBody>
+          </p:sp>
+        </mc:Choice>
+        <mc:Fallback>
+          <p:sp>
+            <p:nvSpPr>
+              <p:cNvPr id="5" name="TextBox 4">
+                <a:extLst>
+                  <a:ext uri="{FF2B5EF4-FFF2-40B4-BE49-F238E27FC236}">
+                    <a16:creationId xmlns:a16="http://schemas.microsoft.com/office/drawing/2014/main" id="{4ADC216E-A7CC-4D09-9045-A28DE2C4AF95}"/>
+                  </a:ext>
+                </a:extLst>
+              </p:cNvPr>
+              <p:cNvSpPr txBox="1">
+                <a:spLocks noRot="1" noChangeAspect="1" noMove="1" noResize="1" noEditPoints="1" noAdjustHandles="1" noChangeArrowheads="1" noChangeShapeType="1" noTextEdit="1"/>
+              </p:cNvSpPr>
+              <p:nvPr/>
+            </p:nvSpPr>
+            <p:spPr>
+              <a:xfrm>
+                <a:off x="9829799" y="2754637"/>
+                <a:ext cx="2362201" cy="369332"/>
+              </a:xfrm>
+              <a:prstGeom prst="rect">
+                <a:avLst/>
+              </a:prstGeom>
+              <a:blipFill>
+                <a:blip r:embed="rId4"/>
+                <a:stretch>
+                  <a:fillRect l="-515" b="-13333"/>
+                </a:stretch>
+              </a:blipFill>
+            </p:spPr>
+            <p:txBody>
+              <a:bodyPr/>
+              <a:lstStyle/>
+              <a:p>
+                <a:r>
+                  <a:rPr lang="en-US">
+                    <a:noFill/>
+                  </a:rPr>
+                  <a:t> </a:t>
+                </a:r>
+              </a:p>
+            </p:txBody>
+          </p:sp>
+        </mc:Fallback>
+      </mc:AlternateContent>
+      <mc:AlternateContent xmlns:mc="http://schemas.openxmlformats.org/markup-compatibility/2006">
+        <mc:Choice xmlns:a14="http://schemas.microsoft.com/office/drawing/2010/main" Requires="a14">
+          <p:sp>
+            <p:nvSpPr>
+              <p:cNvPr id="7" name="TextBox 6">
+                <a:extLst>
+                  <a:ext uri="{FF2B5EF4-FFF2-40B4-BE49-F238E27FC236}">
+                    <a16:creationId xmlns:a16="http://schemas.microsoft.com/office/drawing/2014/main" id="{28B9CEA7-8B76-454A-910B-DB82C20E0DCA}"/>
+                  </a:ext>
+                </a:extLst>
+              </p:cNvPr>
+              <p:cNvSpPr txBox="1"/>
+              <p:nvPr/>
+            </p:nvSpPr>
+            <p:spPr>
+              <a:xfrm>
+                <a:off x="7043272" y="5524166"/>
+                <a:ext cx="3037114" cy="369332"/>
+              </a:xfrm>
+              <a:prstGeom prst="rect">
+                <a:avLst/>
+              </a:prstGeom>
+              <a:noFill/>
+            </p:spPr>
+            <p:txBody>
+              <a:bodyPr wrap="square" rtlCol="0">
+                <a:spAutoFit/>
+              </a:bodyPr>
+              <a:lstStyle/>
+              <a:p>
+                <a14:m>
+                  <m:oMathPara xmlns:m="http://schemas.openxmlformats.org/officeDocument/2006/math">
+                    <m:oMathParaPr>
+                      <m:jc m:val="centerGroup"/>
+                    </m:oMathParaPr>
+                    <m:oMath xmlns:m="http://schemas.openxmlformats.org/officeDocument/2006/math">
+                      <m:r>
+                        <a:rPr lang="en-US" i="1">
+                          <a:latin typeface="Cambria Math" panose="02040503050406030204" pitchFamily="18" charset="0"/>
+                        </a:rPr>
+                        <m:t>𝑧</m:t>
+                      </m:r>
+                      <m:r>
+                        <a:rPr lang="en-US" i="1">
+                          <a:latin typeface="Cambria Math" panose="02040503050406030204" pitchFamily="18" charset="0"/>
+                        </a:rPr>
+                        <m:t>=</m:t>
+                      </m:r>
+                      <m:r>
+                        <a:rPr lang="en-US" i="1">
+                          <a:latin typeface="Cambria Math" panose="02040503050406030204" pitchFamily="18" charset="0"/>
+                        </a:rPr>
+                        <m:t>𝑤𝑇</m:t>
+                      </m:r>
+                      <m:r>
+                        <a:rPr lang="en-US" i="1">
+                          <a:latin typeface="Cambria Math" panose="02040503050406030204" pitchFamily="18" charset="0"/>
+                        </a:rPr>
+                        <m:t> </m:t>
+                      </m:r>
+                      <m:r>
+                        <a:rPr lang="en-US" i="1">
+                          <a:latin typeface="Cambria Math" panose="02040503050406030204" pitchFamily="18" charset="0"/>
+                        </a:rPr>
+                        <m:t>𝑥</m:t>
+                      </m:r>
+                    </m:oMath>
+                  </m:oMathPara>
+                </a14:m>
+                <a:endParaRPr lang="en-US" dirty="0"/>
+              </a:p>
+            </p:txBody>
+          </p:sp>
+        </mc:Choice>
+        <mc:Fallback>
+          <p:sp>
+            <p:nvSpPr>
+              <p:cNvPr id="7" name="TextBox 6">
+                <a:extLst>
+                  <a:ext uri="{FF2B5EF4-FFF2-40B4-BE49-F238E27FC236}">
+                    <a16:creationId xmlns:a16="http://schemas.microsoft.com/office/drawing/2014/main" id="{28B9CEA7-8B76-454A-910B-DB82C20E0DCA}"/>
+                  </a:ext>
+                </a:extLst>
+              </p:cNvPr>
+              <p:cNvSpPr txBox="1">
+                <a:spLocks noRot="1" noChangeAspect="1" noMove="1" noResize="1" noEditPoints="1" noAdjustHandles="1" noChangeArrowheads="1" noChangeShapeType="1" noTextEdit="1"/>
+              </p:cNvSpPr>
+              <p:nvPr/>
+            </p:nvSpPr>
+            <p:spPr>
+              <a:xfrm>
+                <a:off x="7043272" y="5524166"/>
+                <a:ext cx="3037114" cy="369332"/>
+              </a:xfrm>
+              <a:prstGeom prst="rect">
+                <a:avLst/>
+              </a:prstGeom>
+              <a:blipFill>
+                <a:blip r:embed="rId5"/>
+                <a:stretch>
+                  <a:fillRect/>
+                </a:stretch>
+              </a:blipFill>
+            </p:spPr>
+            <p:txBody>
+              <a:bodyPr/>
+              <a:lstStyle/>
+              <a:p>
+                <a:r>
+                  <a:rPr lang="en-US">
+                    <a:noFill/>
+                  </a:rPr>
+                  <a:t> </a:t>
+                </a:r>
+              </a:p>
+            </p:txBody>
+          </p:sp>
+        </mc:Fallback>
+      </mc:AlternateContent>
+    </p:spTree>
+    <p:extLst>
+      <p:ext uri="{BB962C8B-B14F-4D97-AF65-F5344CB8AC3E}">
+        <p14:creationId xmlns:p14="http://schemas.microsoft.com/office/powerpoint/2010/main" val="371969499"/>
+      </p:ext>
+    </p:extLst>
+  </p:cSld>
+  <p:clrMapOvr>
+    <a:masterClrMapping/>
+  </p:clrMapOvr>
+  <p:timing>
+    <p:tnLst>
+      <p:par>
+        <p:cTn id="1" dur="indefinite" restart="never" nodeType="tmRoot">
+          <p:childTnLst>
+            <p:seq concurrent="1" nextAc="seek">
+              <p:cTn id="2" dur="indefinite" nodeType="mainSeq">
+                <p:childTnLst>
+                  <p:par>
+                    <p:cTn id="3" fill="hold">
+                      <p:stCondLst>
+                        <p:cond delay="indefinite"/>
+                      </p:stCondLst>
+                      <p:childTnLst>
+                        <p:par>
+                          <p:cTn id="4" fill="hold">
+                            <p:stCondLst>
+                              <p:cond delay="0"/>
+                            </p:stCondLst>
+                            <p:childTnLst>
+                              <p:par>
+                                <p:cTn id="5" presetID="1" presetClass="entr" presetSubtype="0" fill="hold" nodeType="clickEffect">
+                                  <p:stCondLst>
+                                    <p:cond delay="0"/>
+                                  </p:stCondLst>
+                                  <p:childTnLst>
+                                    <p:set>
+                                      <p:cBhvr>
+                                        <p:cTn id="6" dur="1" fill="hold">
+                                          <p:stCondLst>
+                                            <p:cond delay="0"/>
+                                          </p:stCondLst>
+                                        </p:cTn>
+                                        <p:tgtEl>
+                                          <p:spTgt spid="3">
+                                            <p:txEl>
+                                              <p:pRg st="0" end="0"/>
+                                            </p:txEl>
+                                          </p:spTgt>
+                                        </p:tgtEl>
+                                        <p:attrNameLst>
+                                          <p:attrName>style.visibility</p:attrName>
+                                        </p:attrNameLst>
+                                      </p:cBhvr>
+                                      <p:to>
+                                        <p:strVal val="visible"/>
+                                      </p:to>
+                                    </p:set>
+                                  </p:childTnLst>
+                                </p:cTn>
+                              </p:par>
+                            </p:childTnLst>
+                          </p:cTn>
+                        </p:par>
+                      </p:childTnLst>
+                    </p:cTn>
+                  </p:par>
+                  <p:par>
+                    <p:cTn id="7" fill="hold">
+                      <p:stCondLst>
+                        <p:cond delay="indefinite"/>
+                      </p:stCondLst>
+                      <p:childTnLst>
+                        <p:par>
+                          <p:cTn id="8" fill="hold">
+                            <p:stCondLst>
+                              <p:cond delay="0"/>
+                            </p:stCondLst>
+                            <p:childTnLst>
+                              <p:par>
+                                <p:cTn id="9" presetID="1" presetClass="entr" presetSubtype="0" fill="hold" nodeType="clickEffect">
+                                  <p:stCondLst>
+                                    <p:cond delay="0"/>
+                                  </p:stCondLst>
+                                  <p:childTnLst>
+                                    <p:set>
+                                      <p:cBhvr>
+                                        <p:cTn id="10" dur="1" fill="hold">
+                                          <p:stCondLst>
+                                            <p:cond delay="0"/>
+                                          </p:stCondLst>
+                                        </p:cTn>
+                                        <p:tgtEl>
+                                          <p:spTgt spid="3">
+                                            <p:txEl>
+                                              <p:pRg st="2" end="2"/>
+                                            </p:txEl>
+                                          </p:spTgt>
+                                        </p:tgtEl>
+                                        <p:attrNameLst>
+                                          <p:attrName>style.visibility</p:attrName>
+                                        </p:attrNameLst>
+                                      </p:cBhvr>
+                                      <p:to>
+                                        <p:strVal val="visible"/>
+                                      </p:to>
+                                    </p:set>
+                                  </p:childTnLst>
+                                </p:cTn>
+                              </p:par>
+                            </p:childTnLst>
+                          </p:cTn>
+                        </p:par>
+                      </p:childTnLst>
+                    </p:cTn>
+                  </p:par>
+                  <p:par>
+                    <p:cTn id="11" fill="hold">
+                      <p:stCondLst>
+                        <p:cond delay="indefinite"/>
+                      </p:stCondLst>
+                      <p:childTnLst>
+                        <p:par>
+                          <p:cTn id="12" fill="hold">
+                            <p:stCondLst>
+                              <p:cond delay="0"/>
+                            </p:stCondLst>
+                            <p:childTnLst>
+                              <p:par>
+                                <p:cTn id="13" presetID="1" presetClass="entr" presetSubtype="0" fill="hold" nodeType="clickEffect">
+                                  <p:stCondLst>
+                                    <p:cond delay="0"/>
+                                  </p:stCondLst>
+                                  <p:childTnLst>
+                                    <p:set>
+                                      <p:cBhvr>
+                                        <p:cTn id="14" dur="1" fill="hold">
+                                          <p:stCondLst>
+                                            <p:cond delay="0"/>
+                                          </p:stCondLst>
+                                        </p:cTn>
+                                        <p:tgtEl>
+                                          <p:spTgt spid="3">
+                                            <p:txEl>
+                                              <p:pRg st="3" end="3"/>
+                                            </p:txEl>
+                                          </p:spTgt>
+                                        </p:tgtEl>
+                                        <p:attrNameLst>
+                                          <p:attrName>style.visibility</p:attrName>
+                                        </p:attrNameLst>
+                                      </p:cBhvr>
+                                      <p:to>
+                                        <p:strVal val="visible"/>
+                                      </p:to>
+                                    </p:set>
+                                  </p:childTnLst>
+                                </p:cTn>
+                              </p:par>
+                            </p:childTnLst>
+                          </p:cTn>
+                        </p:par>
+                      </p:childTnLst>
+                    </p:cTn>
+                  </p:par>
+                </p:childTnLst>
+              </p:cTn>
+              <p:prevCondLst>
+                <p:cond evt="onPrev" delay="0">
+                  <p:tgtEl>
+                    <p:sldTgt/>
+                  </p:tgtEl>
+                </p:cond>
+              </p:prevCondLst>
+              <p:nextCondLst>
+                <p:cond evt="onNext" delay="0">
+                  <p:tgtEl>
+                    <p:sldTgt/>
+                  </p:tgtEl>
+                </p:cond>
+              </p:nextCondLst>
+            </p:seq>
+          </p:childTnLst>
+        </p:cTn>
+      </p:par>
+    </p:tnLst>
+  </p:timing>
+</p:sld>
+</file>
+
+<file path=ppt/slides/slide17.xml><?xml version="1.0" encoding="utf-8"?>
+<p:sld xmlns:a="http://schemas.openxmlformats.org/drawingml/2006/main" xmlns:r="http://schemas.openxmlformats.org/officeDocument/2006/relationships" xmlns:p="http://schemas.openxmlformats.org/presentationml/2006/main" show="0">
+  <p:cSld>
+    <p:spTree>
+      <p:nvGrpSpPr>
+        <p:cNvPr id="1" name=""/>
+        <p:cNvGrpSpPr/>
+        <p:nvPr/>
+      </p:nvGrpSpPr>
+      <p:grpSpPr>
+        <a:xfrm>
+          <a:off x="0" y="0"/>
+          <a:ext cx="0" cy="0"/>
+          <a:chOff x="0" y="0"/>
+          <a:chExt cx="0" cy="0"/>
+        </a:xfrm>
+      </p:grpSpPr>
+      <p:sp>
+        <p:nvSpPr>
+          <p:cNvPr id="2" name="Title 1">
+            <a:extLst>
+              <a:ext uri="{FF2B5EF4-FFF2-40B4-BE49-F238E27FC236}">
+                <a16:creationId xmlns:a16="http://schemas.microsoft.com/office/drawing/2014/main" id="{4AB936AE-D331-40AF-9EC7-A7763537F6B8}"/>
+              </a:ext>
+            </a:extLst>
+          </p:cNvPr>
+          <p:cNvSpPr>
+            <a:spLocks noGrp="1"/>
+          </p:cNvSpPr>
+          <p:nvPr>
+            <p:ph type="title"/>
+          </p:nvPr>
+        </p:nvSpPr>
+        <p:spPr/>
+        <p:txBody>
+          <a:bodyPr/>
+          <a:lstStyle/>
+          <a:p>
+            <a:r>
+              <a:rPr lang="en-US" dirty="0"/>
+              <a:t>Recall Logistic Regression</a:t>
+            </a:r>
+          </a:p>
+        </p:txBody>
+      </p:sp>
+      <p:sp>
+        <p:nvSpPr>
+          <p:cNvPr id="4" name="Slide Number Placeholder 3">
+            <a:extLst>
+              <a:ext uri="{FF2B5EF4-FFF2-40B4-BE49-F238E27FC236}">
+                <a16:creationId xmlns:a16="http://schemas.microsoft.com/office/drawing/2014/main" id="{E48FBDD5-400C-466A-9459-D7F719DF5553}"/>
+              </a:ext>
+            </a:extLst>
+          </p:cNvPr>
+          <p:cNvSpPr>
+            <a:spLocks noGrp="1"/>
+          </p:cNvSpPr>
+          <p:nvPr>
+            <p:ph type="sldNum" sz="quarter" idx="12"/>
+          </p:nvPr>
+        </p:nvSpPr>
+        <p:spPr/>
+        <p:txBody>
+          <a:bodyPr/>
+          <a:lstStyle/>
+          <a:p>
+            <a:fld id="{629637A9-119A-49DA-BD12-AAC58B377D80}" type="slidenum">
+              <a:rPr lang="en-US" smtClean="0"/>
+              <a:t>17</a:t>
+            </a:fld>
+            <a:endParaRPr lang="en-US" dirty="0"/>
+          </a:p>
+        </p:txBody>
+      </p:sp>
+      <p:pic>
+        <p:nvPicPr>
+          <p:cNvPr id="5" name="Picture 2" descr="https://upload.wikimedia.org/wikipedia/commons/thumb/8/88/Logistic-curve.svg/600px-Logistic-curve.svg.png">
+            <a:extLst>
+              <a:ext uri="{FF2B5EF4-FFF2-40B4-BE49-F238E27FC236}">
+                <a16:creationId xmlns:a16="http://schemas.microsoft.com/office/drawing/2014/main" id="{7C411186-87AE-49E3-92C2-AFCF093B5CC3}"/>
+              </a:ext>
+            </a:extLst>
+          </p:cNvPr>
+          <p:cNvPicPr>
+            <a:picLocks noGrp="1" noChangeAspect="1" noChangeArrowheads="1"/>
+          </p:cNvPicPr>
+          <p:nvPr>
+            <p:ph idx="1"/>
+          </p:nvPr>
+        </p:nvPicPr>
+        <p:blipFill>
+          <a:blip r:embed="rId2">
+            <a:extLst>
+              <a:ext uri="{28A0092B-C50C-407E-A947-70E740481C1C}">
+                <a14:useLocalDpi xmlns:a14="http://schemas.microsoft.com/office/drawing/2010/main" val="0"/>
+              </a:ext>
+            </a:extLst>
+          </a:blip>
+          <a:srcRect/>
+          <a:stretch>
+            <a:fillRect/>
+          </a:stretch>
+        </p:blipFill>
+        <p:spPr bwMode="auto">
+          <a:xfrm>
+            <a:off x="8915955" y="3525519"/>
+            <a:ext cx="3110627" cy="2073751"/>
+          </a:xfrm>
+          <a:prstGeom prst="rect">
+            <a:avLst/>
+          </a:prstGeom>
+          <a:noFill/>
+          <a:extLst>
+            <a:ext uri="{909E8E84-426E-40DD-AFC4-6F175D3DCCD1}">
+              <a14:hiddenFill xmlns:a14="http://schemas.microsoft.com/office/drawing/2010/main">
+                <a:solidFill>
+                  <a:srgbClr val="FFFFFF"/>
+                </a:solidFill>
+              </a14:hiddenFill>
+            </a:ext>
+          </a:extLst>
+        </p:spPr>
+      </p:pic>
+    </p:spTree>
+    <p:extLst>
+      <p:ext uri="{BB962C8B-B14F-4D97-AF65-F5344CB8AC3E}">
+        <p14:creationId xmlns:p14="http://schemas.microsoft.com/office/powerpoint/2010/main" val="2133105927"/>
+      </p:ext>
+    </p:extLst>
+  </p:cSld>
+  <p:clrMapOvr>
+    <a:masterClrMapping/>
+  </p:clrMapOvr>
+</p:sld>
+</file>
+
+<file path=ppt/slides/slide18.xml><?xml version="1.0" encoding="utf-8"?>
+<p:sld xmlns:a="http://schemas.openxmlformats.org/drawingml/2006/main" xmlns:r="http://schemas.openxmlformats.org/officeDocument/2006/relationships" xmlns:p="http://schemas.openxmlformats.org/presentationml/2006/main">
+  <p:cSld>
+    <p:spTree>
+      <p:nvGrpSpPr>
+        <p:cNvPr id="1" name=""/>
+        <p:cNvGrpSpPr/>
+        <p:nvPr/>
+      </p:nvGrpSpPr>
+      <p:grpSpPr>
+        <a:xfrm>
+          <a:off x="0" y="0"/>
+          <a:ext cx="0" cy="0"/>
+          <a:chOff x="0" y="0"/>
+          <a:chExt cx="0" cy="0"/>
+        </a:xfrm>
+      </p:grpSpPr>
+      <p:sp>
+        <p:nvSpPr>
+          <p:cNvPr id="2" name="Title 1"/>
+          <p:cNvSpPr>
+            <a:spLocks noGrp="1"/>
+          </p:cNvSpPr>
+          <p:nvPr>
+            <p:ph type="title"/>
+          </p:nvPr>
+        </p:nvSpPr>
+        <p:spPr/>
+        <p:txBody>
+          <a:bodyPr/>
+          <a:lstStyle/>
+          <a:p>
+            <a:r>
+              <a:rPr lang="en-US" dirty="0"/>
+              <a:t>Outline</a:t>
+            </a:r>
+          </a:p>
+        </p:txBody>
+      </p:sp>
+      <p:sp>
+        <p:nvSpPr>
+          <p:cNvPr id="3" name="Content Placeholder 2"/>
+          <p:cNvSpPr>
+            <a:spLocks noGrp="1"/>
+          </p:cNvSpPr>
+          <p:nvPr>
+            <p:ph idx="1"/>
+          </p:nvPr>
+        </p:nvSpPr>
+        <p:spPr/>
+        <p:txBody>
+          <a:bodyPr/>
+          <a:lstStyle/>
+          <a:p>
+            <a:r>
+              <a:rPr lang="en-US" dirty="0"/>
+              <a:t>Motivating example:  Recognizing handwritten digits</a:t>
+            </a:r>
+          </a:p>
+          <a:p>
+            <a:pPr lvl="1"/>
+            <a:r>
+              <a:rPr lang="en-US" dirty="0"/>
+              <a:t>Why logistic regression doesn’t work well.</a:t>
+            </a:r>
+          </a:p>
+          <a:p>
+            <a:r>
+              <a:rPr lang="en-US" dirty="0"/>
+              <a:t>From Logistic Regression to SVM</a:t>
+            </a:r>
+          </a:p>
+          <a:p>
+            <a:r>
+              <a:rPr lang="en-US" dirty="0"/>
+              <a:t>Maximum margin classifiers</a:t>
+            </a:r>
+          </a:p>
+          <a:p>
+            <a:r>
+              <a:rPr lang="en-US" dirty="0"/>
+              <a:t>Support vector machines</a:t>
+            </a:r>
+          </a:p>
+          <a:p>
+            <a:r>
+              <a:rPr lang="en-US" dirty="0"/>
+              <a:t>Constrained optimization</a:t>
+            </a:r>
+          </a:p>
+          <a:p>
+            <a:r>
+              <a:rPr lang="en-US" dirty="0"/>
+              <a:t>Kernel trick</a:t>
+            </a:r>
+          </a:p>
+        </p:txBody>
+      </p:sp>
+      <p:sp>
+        <p:nvSpPr>
+          <p:cNvPr id="4" name="Slide Number Placeholder 3"/>
+          <p:cNvSpPr>
+            <a:spLocks noGrp="1"/>
+          </p:cNvSpPr>
+          <p:nvPr>
+            <p:ph type="sldNum" sz="quarter" idx="12"/>
+          </p:nvPr>
+        </p:nvSpPr>
+        <p:spPr/>
+        <p:txBody>
+          <a:bodyPr/>
+          <a:lstStyle/>
+          <a:p>
+            <a:fld id="{629637A9-119A-49DA-BD12-AAC58B377D80}" type="slidenum">
+              <a:rPr lang="en-US" smtClean="0"/>
+              <a:t>18</a:t>
+            </a:fld>
+            <a:endParaRPr lang="en-US" dirty="0"/>
+          </a:p>
+        </p:txBody>
+      </p:sp>
+      <p:sp>
+        <p:nvSpPr>
+          <p:cNvPr id="5" name="Arrow: Right 4"/>
+          <p:cNvSpPr/>
+          <p:nvPr/>
+        </p:nvSpPr>
+        <p:spPr>
+          <a:xfrm>
+            <a:off x="118872" y="2683591"/>
+            <a:ext cx="978408" cy="484632"/>
+          </a:xfrm>
+          <a:prstGeom prst="rightArrow">
+            <a:avLst/>
+          </a:prstGeom>
+          <a:solidFill>
+            <a:schemeClr val="tx2">
+              <a:lumMod val="60000"/>
+              <a:lumOff val="40000"/>
+            </a:schemeClr>
+          </a:solidFill>
+        </p:spPr>
+        <p:style>
+          <a:lnRef idx="2">
+            <a:schemeClr val="accent1">
+              <a:shade val="50000"/>
+            </a:schemeClr>
+          </a:lnRef>
+          <a:fillRef idx="1">
+            <a:schemeClr val="accent1"/>
+          </a:fillRef>
+          <a:effectRef idx="0">
+            <a:schemeClr val="accent1"/>
+          </a:effectRef>
+          <a:fontRef idx="minor">
+            <a:schemeClr val="lt1"/>
+          </a:fontRef>
+        </p:style>
+        <p:txBody>
+          <a:bodyPr rtlCol="0" anchor="ctr"/>
+          <a:lstStyle/>
+          <a:p>
+            <a:pPr algn="ctr"/>
+            <a:endParaRPr lang="en-US"/>
+          </a:p>
+        </p:txBody>
+      </p:sp>
+    </p:spTree>
+    <p:extLst>
+      <p:ext uri="{BB962C8B-B14F-4D97-AF65-F5344CB8AC3E}">
+        <p14:creationId xmlns:p14="http://schemas.microsoft.com/office/powerpoint/2010/main" val="2634504616"/>
+      </p:ext>
+    </p:extLst>
+  </p:cSld>
+  <p:clrMapOvr>
+    <a:masterClrMapping/>
+  </p:clrMapOvr>
+</p:sld>
+</file>
+
+<file path=ppt/slides/slide19.xml><?xml version="1.0" encoding="utf-8"?>
 <p:sld xmlns:a="http://schemas.openxmlformats.org/drawingml/2006/main" xmlns:r="http://schemas.openxmlformats.org/officeDocument/2006/relationships" xmlns:p="http://schemas.openxmlformats.org/presentationml/2006/main">
   <p:cSld>
     <p:spTree>
@@ -7137,15 +9593,7 @@
           <a:p>
             <a:r>
               <a:rPr lang="en-US" dirty="0"/>
-              <a:t>Linear </a:t>
-            </a:r>
-            <a:r>
-              <a:rPr lang="en-US" dirty="0" err="1"/>
-              <a:t>Separability</a:t>
-            </a:r>
-            <a:r>
-              <a:rPr lang="en-US" dirty="0"/>
-              <a:t> and Non-Uniqueness of Separating plane</a:t>
+              <a:t>Linear Separability and Non-Uniqueness of Separating plane</a:t>
             </a:r>
           </a:p>
         </p:txBody>
@@ -7218,7 +9666,7 @@
           <a:p>
             <a:fld id="{629637A9-119A-49DA-BD12-AAC58B377D80}" type="slidenum">
               <a:rPr lang="en-US" smtClean="0"/>
-              <a:t>16</a:t>
+              <a:t>19</a:t>
             </a:fld>
             <a:endParaRPr lang="en-US" dirty="0"/>
           </a:p>
@@ -7233,7 +9681,7 @@
           <p:nvPr/>
         </p:nvPicPr>
         <p:blipFill>
-          <a:blip r:embed="rId2"/>
+          <a:blip r:embed="rId3"/>
           <a:stretch>
             <a:fillRect/>
           </a:stretch>
@@ -7261,7 +9709,159 @@
 </p:sld>
 </file>
 
-<file path=ppt/slides/slide17.xml><?xml version="1.0" encoding="utf-8"?>
+<file path=ppt/slides/slide2.xml><?xml version="1.0" encoding="utf-8"?>
+<p:sld xmlns:a="http://schemas.openxmlformats.org/drawingml/2006/main" xmlns:r="http://schemas.openxmlformats.org/officeDocument/2006/relationships" xmlns:p="http://schemas.openxmlformats.org/presentationml/2006/main">
+  <p:cSld>
+    <p:spTree>
+      <p:nvGrpSpPr>
+        <p:cNvPr id="1" name=""/>
+        <p:cNvGrpSpPr/>
+        <p:nvPr/>
+      </p:nvGrpSpPr>
+      <p:grpSpPr>
+        <a:xfrm>
+          <a:off x="0" y="0"/>
+          <a:ext cx="0" cy="0"/>
+          <a:chOff x="0" y="0"/>
+          <a:chExt cx="0" cy="0"/>
+        </a:xfrm>
+      </p:grpSpPr>
+      <p:sp>
+        <p:nvSpPr>
+          <p:cNvPr id="2" name="Title 1"/>
+          <p:cNvSpPr>
+            <a:spLocks noGrp="1"/>
+          </p:cNvSpPr>
+          <p:nvPr>
+            <p:ph type="title"/>
+          </p:nvPr>
+        </p:nvSpPr>
+        <p:spPr/>
+        <p:txBody>
+          <a:bodyPr/>
+          <a:lstStyle/>
+          <a:p>
+            <a:r>
+              <a:rPr lang="en-US" dirty="0"/>
+              <a:t>Learning Objectives</a:t>
+            </a:r>
+          </a:p>
+        </p:txBody>
+      </p:sp>
+      <p:sp>
+        <p:nvSpPr>
+          <p:cNvPr id="3" name="Content Placeholder 2"/>
+          <p:cNvSpPr>
+            <a:spLocks noGrp="1"/>
+          </p:cNvSpPr>
+          <p:nvPr>
+            <p:ph idx="1"/>
+          </p:nvPr>
+        </p:nvSpPr>
+        <p:spPr/>
+        <p:txBody>
+          <a:bodyPr>
+            <a:normAutofit/>
+          </a:bodyPr>
+          <a:lstStyle/>
+          <a:p>
+            <a:r>
+              <a:rPr lang="en-US" dirty="0"/>
+              <a:t>Interpret weights in linear classification of images</a:t>
+            </a:r>
+          </a:p>
+          <a:p>
+            <a:r>
+              <a:rPr lang="en-US" dirty="0"/>
+              <a:t>Define the margin in linear classification</a:t>
+            </a:r>
+          </a:p>
+          <a:p>
+            <a:r>
+              <a:rPr lang="en-US" dirty="0"/>
+              <a:t>Describe the SVM classification problem.</a:t>
+            </a:r>
+          </a:p>
+          <a:p>
+            <a:r>
+              <a:rPr lang="en-US" dirty="0"/>
+              <a:t>Write equations for solutions of constrained optimization using the </a:t>
+            </a:r>
+            <a:r>
+              <a:rPr lang="en-US" dirty="0" err="1"/>
+              <a:t>Lagrangian</a:t>
+            </a:r>
+            <a:r>
+              <a:rPr lang="en-US" dirty="0"/>
+              <a:t>.</a:t>
+            </a:r>
+          </a:p>
+          <a:p>
+            <a:r>
+              <a:rPr lang="en-US" dirty="0"/>
+              <a:t>Describe a kernel SVM problem</a:t>
+            </a:r>
+          </a:p>
+          <a:p>
+            <a:r>
+              <a:rPr lang="en-US" dirty="0"/>
+              <a:t>Select SVM parameters from cross-validation</a:t>
+            </a:r>
+          </a:p>
+          <a:p>
+            <a:endParaRPr lang="en-US" dirty="0"/>
+          </a:p>
+          <a:p>
+            <a:endParaRPr lang="en-US" dirty="0"/>
+          </a:p>
+          <a:p>
+            <a:endParaRPr lang="en-US" dirty="0"/>
+          </a:p>
+          <a:p>
+            <a:endParaRPr lang="en-US" dirty="0"/>
+          </a:p>
+          <a:p>
+            <a:endParaRPr lang="en-US" dirty="0"/>
+          </a:p>
+        </p:txBody>
+      </p:sp>
+      <p:sp>
+        <p:nvSpPr>
+          <p:cNvPr id="4" name="Slide Number Placeholder 3"/>
+          <p:cNvSpPr>
+            <a:spLocks noGrp="1"/>
+          </p:cNvSpPr>
+          <p:nvPr>
+            <p:ph type="sldNum" sz="quarter" idx="12"/>
+          </p:nvPr>
+        </p:nvSpPr>
+        <p:spPr/>
+        <p:txBody>
+          <a:bodyPr/>
+          <a:lstStyle/>
+          <a:p>
+            <a:fld id="{629637A9-119A-49DA-BD12-AAC58B377D80}" type="slidenum">
+              <a:rPr lang="en-US" smtClean="0"/>
+              <a:t>2</a:t>
+            </a:fld>
+            <a:endParaRPr lang="en-US" dirty="0"/>
+          </a:p>
+        </p:txBody>
+      </p:sp>
+    </p:spTree>
+    <p:extLst>
+      <p:ext uri="{BB962C8B-B14F-4D97-AF65-F5344CB8AC3E}">
+        <p14:creationId xmlns:p14="http://schemas.microsoft.com/office/powerpoint/2010/main" val="2210901991"/>
+      </p:ext>
+    </p:extLst>
+  </p:cSld>
+  <p:clrMapOvr>
+    <a:masterClrMapping/>
+  </p:clrMapOvr>
+</p:sld>
+</file>
+
+<file path=ppt/slides/slide20.xml><?xml version="1.0" encoding="utf-8"?>
 <p:sld xmlns:a="http://schemas.openxmlformats.org/drawingml/2006/main" xmlns:r="http://schemas.openxmlformats.org/officeDocument/2006/relationships" xmlns:p="http://schemas.openxmlformats.org/presentationml/2006/main">
   <p:cSld>
     <p:spTree>
@@ -7763,7 +10363,7 @@
             </p:nvSpPr>
             <p:spPr>
               <a:blipFill>
-                <a:blip r:embed="rId2"/>
+                <a:blip r:embed="rId3"/>
                 <a:stretch>
                   <a:fillRect l="-1261" t="-1462"/>
                 </a:stretch>
@@ -7807,7 +10407,7 @@
           <a:p>
             <a:fld id="{629637A9-119A-49DA-BD12-AAC58B377D80}" type="slidenum">
               <a:rPr lang="en-US" smtClean="0"/>
-              <a:t>17</a:t>
+              <a:t>20</a:t>
             </a:fld>
             <a:endParaRPr lang="en-US" dirty="0"/>
           </a:p>
@@ -8072,7 +10672,7 @@
                 <a:avLst/>
               </a:prstGeom>
               <a:blipFill>
-                <a:blip r:embed="rId3"/>
+                <a:blip r:embed="rId4"/>
                 <a:stretch>
                   <a:fillRect b="-16667"/>
                 </a:stretch>
@@ -8106,7 +10706,7 @@
 </p:sld>
 </file>
 
-<file path=ppt/slides/slide18.xml><?xml version="1.0" encoding="utf-8"?>
+<file path=ppt/slides/slide21.xml><?xml version="1.0" encoding="utf-8"?>
 <p:sld xmlns:a="http://schemas.openxmlformats.org/drawingml/2006/main" xmlns:r="http://schemas.openxmlformats.org/officeDocument/2006/relationships" xmlns:p="http://schemas.openxmlformats.org/presentationml/2006/main">
   <p:cSld>
     <p:spTree>
@@ -9310,7 +11910,7 @@
           <a:p>
             <a:fld id="{629637A9-119A-49DA-BD12-AAC58B377D80}" type="slidenum">
               <a:rPr lang="en-US" smtClean="0"/>
-              <a:t>18</a:t>
+              <a:t>21</a:t>
             </a:fld>
             <a:endParaRPr lang="en-US" dirty="0"/>
           </a:p>
@@ -10107,7 +12707,7 @@
 </p:sld>
 </file>
 
-<file path=ppt/slides/slide19.xml><?xml version="1.0" encoding="utf-8"?>
+<file path=ppt/slides/slide22.xml><?xml version="1.0" encoding="utf-8"?>
 <p:sld xmlns:a="http://schemas.openxmlformats.org/drawingml/2006/main" xmlns:r="http://schemas.openxmlformats.org/officeDocument/2006/relationships" xmlns:p="http://schemas.openxmlformats.org/presentationml/2006/main">
   <p:cSld>
     <p:spTree>
@@ -10204,7 +12804,7 @@
           <a:p>
             <a:fld id="{629637A9-119A-49DA-BD12-AAC58B377D80}" type="slidenum">
               <a:rPr lang="en-US" smtClean="0"/>
-              <a:t>19</a:t>
+              <a:t>22</a:t>
             </a:fld>
             <a:endParaRPr lang="en-US" dirty="0"/>
           </a:p>
@@ -10378,159 +12978,7 @@
 </p:sld>
 </file>
 
-<file path=ppt/slides/slide2.xml><?xml version="1.0" encoding="utf-8"?>
-<p:sld xmlns:a="http://schemas.openxmlformats.org/drawingml/2006/main" xmlns:r="http://schemas.openxmlformats.org/officeDocument/2006/relationships" xmlns:p="http://schemas.openxmlformats.org/presentationml/2006/main">
-  <p:cSld>
-    <p:spTree>
-      <p:nvGrpSpPr>
-        <p:cNvPr id="1" name=""/>
-        <p:cNvGrpSpPr/>
-        <p:nvPr/>
-      </p:nvGrpSpPr>
-      <p:grpSpPr>
-        <a:xfrm>
-          <a:off x="0" y="0"/>
-          <a:ext cx="0" cy="0"/>
-          <a:chOff x="0" y="0"/>
-          <a:chExt cx="0" cy="0"/>
-        </a:xfrm>
-      </p:grpSpPr>
-      <p:sp>
-        <p:nvSpPr>
-          <p:cNvPr id="2" name="Title 1"/>
-          <p:cNvSpPr>
-            <a:spLocks noGrp="1"/>
-          </p:cNvSpPr>
-          <p:nvPr>
-            <p:ph type="title"/>
-          </p:nvPr>
-        </p:nvSpPr>
-        <p:spPr/>
-        <p:txBody>
-          <a:bodyPr/>
-          <a:lstStyle/>
-          <a:p>
-            <a:r>
-              <a:rPr lang="en-US" dirty="0"/>
-              <a:t>Learning Objectives</a:t>
-            </a:r>
-          </a:p>
-        </p:txBody>
-      </p:sp>
-      <p:sp>
-        <p:nvSpPr>
-          <p:cNvPr id="3" name="Content Placeholder 2"/>
-          <p:cNvSpPr>
-            <a:spLocks noGrp="1"/>
-          </p:cNvSpPr>
-          <p:nvPr>
-            <p:ph idx="1"/>
-          </p:nvPr>
-        </p:nvSpPr>
-        <p:spPr/>
-        <p:txBody>
-          <a:bodyPr>
-            <a:normAutofit/>
-          </a:bodyPr>
-          <a:lstStyle/>
-          <a:p>
-            <a:r>
-              <a:rPr lang="en-US" dirty="0"/>
-              <a:t>Interpret weights in linear classification of images</a:t>
-            </a:r>
-          </a:p>
-          <a:p>
-            <a:r>
-              <a:rPr lang="en-US" dirty="0"/>
-              <a:t>Define the margin in linear classification</a:t>
-            </a:r>
-          </a:p>
-          <a:p>
-            <a:r>
-              <a:rPr lang="en-US" dirty="0"/>
-              <a:t>Describe the SVM classification problem.</a:t>
-            </a:r>
-          </a:p>
-          <a:p>
-            <a:r>
-              <a:rPr lang="en-US" dirty="0"/>
-              <a:t>Write equations for solutions of constrained optimization using the </a:t>
-            </a:r>
-            <a:r>
-              <a:rPr lang="en-US" dirty="0" err="1"/>
-              <a:t>Lagrangian</a:t>
-            </a:r>
-            <a:r>
-              <a:rPr lang="en-US" dirty="0"/>
-              <a:t>.</a:t>
-            </a:r>
-          </a:p>
-          <a:p>
-            <a:r>
-              <a:rPr lang="en-US" dirty="0"/>
-              <a:t>Describe a kernel SVM problem</a:t>
-            </a:r>
-          </a:p>
-          <a:p>
-            <a:r>
-              <a:rPr lang="en-US" dirty="0"/>
-              <a:t>Select SVM parameters from cross-validation</a:t>
-            </a:r>
-          </a:p>
-          <a:p>
-            <a:endParaRPr lang="en-US" dirty="0"/>
-          </a:p>
-          <a:p>
-            <a:endParaRPr lang="en-US" dirty="0"/>
-          </a:p>
-          <a:p>
-            <a:endParaRPr lang="en-US" dirty="0"/>
-          </a:p>
-          <a:p>
-            <a:endParaRPr lang="en-US" dirty="0"/>
-          </a:p>
-          <a:p>
-            <a:endParaRPr lang="en-US" dirty="0"/>
-          </a:p>
-        </p:txBody>
-      </p:sp>
-      <p:sp>
-        <p:nvSpPr>
-          <p:cNvPr id="4" name="Slide Number Placeholder 3"/>
-          <p:cNvSpPr>
-            <a:spLocks noGrp="1"/>
-          </p:cNvSpPr>
-          <p:nvPr>
-            <p:ph type="sldNum" sz="quarter" idx="12"/>
-          </p:nvPr>
-        </p:nvSpPr>
-        <p:spPr/>
-        <p:txBody>
-          <a:bodyPr/>
-          <a:lstStyle/>
-          <a:p>
-            <a:fld id="{629637A9-119A-49DA-BD12-AAC58B377D80}" type="slidenum">
-              <a:rPr lang="en-US" smtClean="0"/>
-              <a:t>2</a:t>
-            </a:fld>
-            <a:endParaRPr lang="en-US" dirty="0"/>
-          </a:p>
-        </p:txBody>
-      </p:sp>
-    </p:spTree>
-    <p:extLst>
-      <p:ext uri="{BB962C8B-B14F-4D97-AF65-F5344CB8AC3E}">
-        <p14:creationId xmlns:p14="http://schemas.microsoft.com/office/powerpoint/2010/main" val="2210901991"/>
-      </p:ext>
-    </p:extLst>
-  </p:cSld>
-  <p:clrMapOvr>
-    <a:masterClrMapping/>
-  </p:clrMapOvr>
-</p:sld>
-</file>
-
-<file path=ppt/slides/slide20.xml><?xml version="1.0" encoding="utf-8"?>
+<file path=ppt/slides/slide23.xml><?xml version="1.0" encoding="utf-8"?>
 <p:sld xmlns:a="http://schemas.openxmlformats.org/drawingml/2006/main" xmlns:r="http://schemas.openxmlformats.org/officeDocument/2006/relationships" xmlns:p="http://schemas.openxmlformats.org/presentationml/2006/main">
   <p:cSld>
     <p:spTree>
@@ -11005,7 +13453,7 @@
           <a:p>
             <a:fld id="{629637A9-119A-49DA-BD12-AAC58B377D80}" type="slidenum">
               <a:rPr lang="en-US" smtClean="0"/>
-              <a:t>20</a:t>
+              <a:t>23</a:t>
             </a:fld>
             <a:endParaRPr lang="en-US" dirty="0"/>
           </a:p>
@@ -11210,7 +13658,7 @@
 </p:sld>
 </file>
 
-<file path=ppt/slides/slide21.xml><?xml version="1.0" encoding="utf-8"?>
+<file path=ppt/slides/slide24.xml><?xml version="1.0" encoding="utf-8"?>
 <p:sld xmlns:a="http://schemas.openxmlformats.org/drawingml/2006/main" xmlns:r="http://schemas.openxmlformats.org/officeDocument/2006/relationships" xmlns:p="http://schemas.openxmlformats.org/presentationml/2006/main">
   <p:cSld>
     <p:spTree>
@@ -11324,7 +13772,7 @@
           <a:p>
             <a:fld id="{629637A9-119A-49DA-BD12-AAC58B377D80}" type="slidenum">
               <a:rPr lang="en-US" smtClean="0"/>
-              <a:t>21</a:t>
+              <a:t>24</a:t>
             </a:fld>
             <a:endParaRPr lang="en-US" dirty="0"/>
           </a:p>
@@ -11410,7 +13858,7 @@
 </p:sld>
 </file>
 
-<file path=ppt/slides/slide22.xml><?xml version="1.0" encoding="utf-8"?>
+<file path=ppt/slides/slide25.xml><?xml version="1.0" encoding="utf-8"?>
 <p:sld xmlns:a="http://schemas.openxmlformats.org/drawingml/2006/main" xmlns:r="http://schemas.openxmlformats.org/officeDocument/2006/relationships" xmlns:p="http://schemas.openxmlformats.org/presentationml/2006/main">
   <p:cSld>
     <p:spTree>
@@ -11531,7 +13979,7 @@
           <a:p>
             <a:fld id="{629637A9-119A-49DA-BD12-AAC58B377D80}" type="slidenum">
               <a:rPr lang="en-US" smtClean="0"/>
-              <a:t>22</a:t>
+              <a:t>25</a:t>
             </a:fld>
             <a:endParaRPr lang="en-US" dirty="0"/>
           </a:p>
@@ -11656,7 +14104,7 @@
 </p:sld>
 </file>
 
-<file path=ppt/slides/slide23.xml><?xml version="1.0" encoding="utf-8"?>
+<file path=ppt/slides/slide26.xml><?xml version="1.0" encoding="utf-8"?>
 <p:sld xmlns:a="http://schemas.openxmlformats.org/drawingml/2006/main" xmlns:r="http://schemas.openxmlformats.org/officeDocument/2006/relationships" xmlns:p="http://schemas.openxmlformats.org/presentationml/2006/main">
   <p:cSld>
     <p:spTree>
@@ -11765,7 +14213,7 @@
           <a:p>
             <a:fld id="{629637A9-119A-49DA-BD12-AAC58B377D80}" type="slidenum">
               <a:rPr lang="en-US" smtClean="0"/>
-              <a:t>23</a:t>
+              <a:t>26</a:t>
             </a:fld>
             <a:endParaRPr lang="en-US" dirty="0"/>
           </a:p>
@@ -11830,7 +14278,7 @@
 </p:sld>
 </file>
 
-<file path=ppt/slides/slide24.xml><?xml version="1.0" encoding="utf-8"?>
+<file path=ppt/slides/slide27.xml><?xml version="1.0" encoding="utf-8"?>
 <p:sld xmlns:a="http://schemas.openxmlformats.org/drawingml/2006/main" xmlns:r="http://schemas.openxmlformats.org/officeDocument/2006/relationships" xmlns:p="http://schemas.openxmlformats.org/presentationml/2006/main">
   <p:cSld>
     <p:spTree>
@@ -11980,7 +14428,7 @@
           <a:p>
             <a:fld id="{629637A9-119A-49DA-BD12-AAC58B377D80}" type="slidenum">
               <a:rPr lang="en-US" smtClean="0"/>
-              <a:t>24</a:t>
+              <a:t>27</a:t>
             </a:fld>
             <a:endParaRPr lang="en-US" dirty="0"/>
           </a:p>
@@ -12064,7 +14512,7 @@
 </p:sld>
 </file>
 
-<file path=ppt/slides/slide25.xml><?xml version="1.0" encoding="utf-8"?>
+<file path=ppt/slides/slide28.xml><?xml version="1.0" encoding="utf-8"?>
 <p:sld xmlns:a="http://schemas.openxmlformats.org/drawingml/2006/main" xmlns:r="http://schemas.openxmlformats.org/officeDocument/2006/relationships" xmlns:p="http://schemas.openxmlformats.org/presentationml/2006/main">
   <p:cSld>
     <p:spTree>
@@ -12881,7 +15329,7 @@
                 <a:ext cx="8910786" cy="4329817"/>
               </a:xfrm>
               <a:blipFill>
-                <a:blip r:embed="rId2"/>
+                <a:blip r:embed="rId3"/>
                 <a:stretch>
                   <a:fillRect l="-1422" t="-1462"/>
                 </a:stretch>
@@ -12919,7 +15367,7 @@
           <a:p>
             <a:fld id="{629637A9-119A-49DA-BD12-AAC58B377D80}" type="slidenum">
               <a:rPr lang="en-US" smtClean="0"/>
-              <a:t>25</a:t>
+              <a:t>28</a:t>
             </a:fld>
             <a:endParaRPr lang="en-US" dirty="0"/>
           </a:p>
@@ -12934,7 +15382,7 @@
           <p:nvPr/>
         </p:nvPicPr>
         <p:blipFill>
-          <a:blip r:embed="rId3">
+          <a:blip r:embed="rId4">
             <a:extLst>
               <a:ext uri="{28A0092B-C50C-407E-A947-70E740481C1C}">
                 <a14:useLocalDpi xmlns:a14="http://schemas.microsoft.com/office/drawing/2010/main" val="0"/>
@@ -13073,7 +15521,7 @@
                 <a:avLst/>
               </a:prstGeom>
               <a:blipFill>
-                <a:blip r:embed="rId4"/>
+                <a:blip r:embed="rId5"/>
                 <a:stretch>
                   <a:fillRect b="-6557"/>
                 </a:stretch>
@@ -13213,7 +15661,7 @@
                 <a:avLst/>
               </a:prstGeom>
               <a:blipFill>
-                <a:blip r:embed="rId5"/>
+                <a:blip r:embed="rId6"/>
                 <a:stretch>
                   <a:fillRect b="-11475"/>
                 </a:stretch>
@@ -13434,7 +15882,7 @@
 </p:sld>
 </file>
 
-<file path=ppt/slides/slide26.xml><?xml version="1.0" encoding="utf-8"?>
+<file path=ppt/slides/slide29.xml><?xml version="1.0" encoding="utf-8"?>
 <p:sld xmlns:a="http://schemas.openxmlformats.org/drawingml/2006/main" xmlns:r="http://schemas.openxmlformats.org/officeDocument/2006/relationships" xmlns:p="http://schemas.openxmlformats.org/presentationml/2006/main">
   <p:cSld>
     <p:spTree>
@@ -14049,7 +16497,7 @@
                 <a:ext cx="10328526" cy="4329817"/>
               </a:xfrm>
               <a:blipFill>
-                <a:blip r:embed="rId2"/>
+                <a:blip r:embed="rId3"/>
                 <a:stretch>
                   <a:fillRect l="-1417" t="-2113"/>
                 </a:stretch>
@@ -14087,7 +16535,7 @@
           <a:p>
             <a:fld id="{629637A9-119A-49DA-BD12-AAC58B377D80}" type="slidenum">
               <a:rPr lang="en-US" smtClean="0"/>
-              <a:t>26</a:t>
+              <a:t>29</a:t>
             </a:fld>
             <a:endParaRPr lang="en-US" dirty="0"/>
           </a:p>
@@ -14242,7 +16690,7 @@
                 <a:avLst/>
               </a:prstGeom>
               <a:blipFill>
-                <a:blip r:embed="rId3"/>
+                <a:blip r:embed="rId4"/>
                 <a:stretch>
                   <a:fillRect l="-1657" t="-2703" r="-1105" b="-66216"/>
                 </a:stretch>
@@ -14276,7 +16724,181 @@
 </p:sld>
 </file>
 
-<file path=ppt/slides/slide27.xml><?xml version="1.0" encoding="utf-8"?>
+<file path=ppt/slides/slide3.xml><?xml version="1.0" encoding="utf-8"?>
+<p:sld xmlns:a="http://schemas.openxmlformats.org/drawingml/2006/main" xmlns:r="http://schemas.openxmlformats.org/officeDocument/2006/relationships" xmlns:p="http://schemas.openxmlformats.org/presentationml/2006/main">
+  <p:cSld>
+    <p:spTree>
+      <p:nvGrpSpPr>
+        <p:cNvPr id="1" name=""/>
+        <p:cNvGrpSpPr/>
+        <p:nvPr/>
+      </p:nvGrpSpPr>
+      <p:grpSpPr>
+        <a:xfrm>
+          <a:off x="0" y="0"/>
+          <a:ext cx="0" cy="0"/>
+          <a:chOff x="0" y="0"/>
+          <a:chExt cx="0" cy="0"/>
+        </a:xfrm>
+      </p:grpSpPr>
+      <p:sp>
+        <p:nvSpPr>
+          <p:cNvPr id="2" name="Title 1"/>
+          <p:cNvSpPr>
+            <a:spLocks noGrp="1"/>
+          </p:cNvSpPr>
+          <p:nvPr>
+            <p:ph type="title"/>
+          </p:nvPr>
+        </p:nvSpPr>
+        <p:spPr/>
+        <p:txBody>
+          <a:bodyPr/>
+          <a:lstStyle/>
+          <a:p>
+            <a:r>
+              <a:rPr lang="en-US" dirty="0"/>
+              <a:t>Outline</a:t>
+            </a:r>
+          </a:p>
+        </p:txBody>
+      </p:sp>
+      <p:sp>
+        <p:nvSpPr>
+          <p:cNvPr id="3" name="Content Placeholder 2"/>
+          <p:cNvSpPr>
+            <a:spLocks noGrp="1"/>
+          </p:cNvSpPr>
+          <p:nvPr>
+            <p:ph idx="1"/>
+          </p:nvPr>
+        </p:nvSpPr>
+        <p:spPr/>
+        <p:txBody>
+          <a:bodyPr/>
+          <a:lstStyle/>
+          <a:p>
+            <a:r>
+              <a:rPr lang="en-US" dirty="0"/>
+              <a:t>Motivating example:  Recognizing handwritten digits</a:t>
+            </a:r>
+          </a:p>
+          <a:p>
+            <a:pPr lvl="1"/>
+            <a:r>
+              <a:rPr lang="en-US" dirty="0"/>
+              <a:t>Why logistic regression doesn’t work well.</a:t>
+            </a:r>
+          </a:p>
+          <a:p>
+            <a:r>
+              <a:rPr lang="en-US" dirty="0"/>
+              <a:t>Maximum margin classifiers</a:t>
+            </a:r>
+          </a:p>
+          <a:p>
+            <a:r>
+              <a:rPr lang="en-US" dirty="0"/>
+              <a:t>Support vector machines</a:t>
+            </a:r>
+          </a:p>
+          <a:p>
+            <a:r>
+              <a:rPr lang="en-US" dirty="0"/>
+              <a:t>Constrained optimization</a:t>
+            </a:r>
+          </a:p>
+          <a:p>
+            <a:r>
+              <a:rPr lang="en-US" dirty="0"/>
+              <a:t>Kernel trick</a:t>
+            </a:r>
+          </a:p>
+        </p:txBody>
+      </p:sp>
+      <p:sp>
+        <p:nvSpPr>
+          <p:cNvPr id="4" name="Slide Number Placeholder 3"/>
+          <p:cNvSpPr>
+            <a:spLocks noGrp="1"/>
+          </p:cNvSpPr>
+          <p:nvPr>
+            <p:ph type="sldNum" sz="quarter" idx="12"/>
+          </p:nvPr>
+        </p:nvSpPr>
+        <p:spPr/>
+        <p:txBody>
+          <a:bodyPr/>
+          <a:lstStyle/>
+          <a:p>
+            <a:fld id="{629637A9-119A-49DA-BD12-AAC58B377D80}" type="slidenum">
+              <a:rPr lang="en-US" smtClean="0"/>
+              <a:t>3</a:t>
+            </a:fld>
+            <a:endParaRPr lang="en-US" dirty="0"/>
+          </a:p>
+        </p:txBody>
+      </p:sp>
+      <p:sp>
+        <p:nvSpPr>
+          <p:cNvPr id="5" name="Arrow: Right 4"/>
+          <p:cNvSpPr/>
+          <p:nvPr/>
+        </p:nvSpPr>
+        <p:spPr>
+          <a:xfrm>
+            <a:off x="310392" y="1476462"/>
+            <a:ext cx="978408" cy="484632"/>
+          </a:xfrm>
+          <a:prstGeom prst="rightArrow">
+            <a:avLst/>
+          </a:prstGeom>
+          <a:solidFill>
+            <a:schemeClr val="tx2">
+              <a:lumMod val="60000"/>
+              <a:lumOff val="40000"/>
+            </a:schemeClr>
+          </a:solidFill>
+        </p:spPr>
+        <p:style>
+          <a:lnRef idx="2">
+            <a:schemeClr val="accent1">
+              <a:shade val="50000"/>
+            </a:schemeClr>
+          </a:lnRef>
+          <a:fillRef idx="1">
+            <a:schemeClr val="accent1"/>
+          </a:fillRef>
+          <a:effectRef idx="0">
+            <a:schemeClr val="accent1"/>
+          </a:effectRef>
+          <a:fontRef idx="minor">
+            <a:schemeClr val="lt1"/>
+          </a:fontRef>
+        </p:style>
+        <p:txBody>
+          <a:bodyPr rtlCol="0" anchor="ctr"/>
+          <a:lstStyle/>
+          <a:p>
+            <a:pPr algn="ctr"/>
+            <a:endParaRPr lang="en-US"/>
+          </a:p>
+        </p:txBody>
+      </p:sp>
+    </p:spTree>
+    <p:extLst>
+      <p:ext uri="{BB962C8B-B14F-4D97-AF65-F5344CB8AC3E}">
+        <p14:creationId xmlns:p14="http://schemas.microsoft.com/office/powerpoint/2010/main" val="3809131237"/>
+      </p:ext>
+    </p:extLst>
+  </p:cSld>
+  <p:clrMapOvr>
+    <a:masterClrMapping/>
+  </p:clrMapOvr>
+</p:sld>
+</file>
+
+<file path=ppt/slides/slide30.xml><?xml version="1.0" encoding="utf-8"?>
 <p:sld xmlns:a="http://schemas.openxmlformats.org/drawingml/2006/main" xmlns:r="http://schemas.openxmlformats.org/officeDocument/2006/relationships" xmlns:p="http://schemas.openxmlformats.org/presentationml/2006/main">
   <p:cSld>
     <p:spTree>
@@ -15364,7 +17986,7 @@
           <a:p>
             <a:fld id="{629637A9-119A-49DA-BD12-AAC58B377D80}" type="slidenum">
               <a:rPr lang="en-US" smtClean="0"/>
-              <a:t>27</a:t>
+              <a:t>30</a:t>
             </a:fld>
             <a:endParaRPr lang="en-US" dirty="0"/>
           </a:p>
@@ -15383,7 +18005,7 @@
 </p:sld>
 </file>
 
-<file path=ppt/slides/slide28.xml><?xml version="1.0" encoding="utf-8"?>
+<file path=ppt/slides/slide31.xml><?xml version="1.0" encoding="utf-8"?>
 <p:sld xmlns:a="http://schemas.openxmlformats.org/drawingml/2006/main" xmlns:r="http://schemas.openxmlformats.org/officeDocument/2006/relationships" xmlns:p="http://schemas.openxmlformats.org/presentationml/2006/main">
   <p:cSld>
     <p:spTree>
@@ -15856,7 +18478,7 @@
           <a:p>
             <a:fld id="{629637A9-119A-49DA-BD12-AAC58B377D80}" type="slidenum">
               <a:rPr lang="en-US" smtClean="0"/>
-              <a:t>28</a:t>
+              <a:t>31</a:t>
             </a:fld>
             <a:endParaRPr lang="en-US" dirty="0"/>
           </a:p>
@@ -15875,7 +18497,7 @@
 </p:sld>
 </file>
 
-<file path=ppt/slides/slide29.xml><?xml version="1.0" encoding="utf-8"?>
+<file path=ppt/slides/slide32.xml><?xml version="1.0" encoding="utf-8"?>
 <p:sld xmlns:a="http://schemas.openxmlformats.org/drawingml/2006/main" xmlns:r="http://schemas.openxmlformats.org/officeDocument/2006/relationships" xmlns:p="http://schemas.openxmlformats.org/presentationml/2006/main">
   <p:cSld>
     <p:spTree>
@@ -16264,7 +18886,7 @@
           <a:p>
             <a:fld id="{629637A9-119A-49DA-BD12-AAC58B377D80}" type="slidenum">
               <a:rPr lang="en-US" smtClean="0"/>
-              <a:t>29</a:t>
+              <a:t>32</a:t>
             </a:fld>
             <a:endParaRPr lang="en-US" dirty="0"/>
           </a:p>
@@ -16307,181 +18929,7 @@
 </p:sld>
 </file>
 
-<file path=ppt/slides/slide3.xml><?xml version="1.0" encoding="utf-8"?>
-<p:sld xmlns:a="http://schemas.openxmlformats.org/drawingml/2006/main" xmlns:r="http://schemas.openxmlformats.org/officeDocument/2006/relationships" xmlns:p="http://schemas.openxmlformats.org/presentationml/2006/main">
-  <p:cSld>
-    <p:spTree>
-      <p:nvGrpSpPr>
-        <p:cNvPr id="1" name=""/>
-        <p:cNvGrpSpPr/>
-        <p:nvPr/>
-      </p:nvGrpSpPr>
-      <p:grpSpPr>
-        <a:xfrm>
-          <a:off x="0" y="0"/>
-          <a:ext cx="0" cy="0"/>
-          <a:chOff x="0" y="0"/>
-          <a:chExt cx="0" cy="0"/>
-        </a:xfrm>
-      </p:grpSpPr>
-      <p:sp>
-        <p:nvSpPr>
-          <p:cNvPr id="2" name="Title 1"/>
-          <p:cNvSpPr>
-            <a:spLocks noGrp="1"/>
-          </p:cNvSpPr>
-          <p:nvPr>
-            <p:ph type="title"/>
-          </p:nvPr>
-        </p:nvSpPr>
-        <p:spPr/>
-        <p:txBody>
-          <a:bodyPr/>
-          <a:lstStyle/>
-          <a:p>
-            <a:r>
-              <a:rPr lang="en-US" dirty="0"/>
-              <a:t>Outline</a:t>
-            </a:r>
-          </a:p>
-        </p:txBody>
-      </p:sp>
-      <p:sp>
-        <p:nvSpPr>
-          <p:cNvPr id="3" name="Content Placeholder 2"/>
-          <p:cNvSpPr>
-            <a:spLocks noGrp="1"/>
-          </p:cNvSpPr>
-          <p:nvPr>
-            <p:ph idx="1"/>
-          </p:nvPr>
-        </p:nvSpPr>
-        <p:spPr/>
-        <p:txBody>
-          <a:bodyPr/>
-          <a:lstStyle/>
-          <a:p>
-            <a:r>
-              <a:rPr lang="en-US" dirty="0"/>
-              <a:t>Motivating example:  Recognizing handwritten digits</a:t>
-            </a:r>
-          </a:p>
-          <a:p>
-            <a:pPr lvl="1"/>
-            <a:r>
-              <a:rPr lang="en-US" dirty="0"/>
-              <a:t>Why logistic regression doesn’t work well.</a:t>
-            </a:r>
-          </a:p>
-          <a:p>
-            <a:r>
-              <a:rPr lang="en-US" dirty="0"/>
-              <a:t>Maximum margin classifiers</a:t>
-            </a:r>
-          </a:p>
-          <a:p>
-            <a:r>
-              <a:rPr lang="en-US" dirty="0"/>
-              <a:t>Support vector machines</a:t>
-            </a:r>
-          </a:p>
-          <a:p>
-            <a:r>
-              <a:rPr lang="en-US" dirty="0"/>
-              <a:t>Constrained optimization</a:t>
-            </a:r>
-          </a:p>
-          <a:p>
-            <a:r>
-              <a:rPr lang="en-US" dirty="0"/>
-              <a:t>Kernel trick</a:t>
-            </a:r>
-          </a:p>
-        </p:txBody>
-      </p:sp>
-      <p:sp>
-        <p:nvSpPr>
-          <p:cNvPr id="4" name="Slide Number Placeholder 3"/>
-          <p:cNvSpPr>
-            <a:spLocks noGrp="1"/>
-          </p:cNvSpPr>
-          <p:nvPr>
-            <p:ph type="sldNum" sz="quarter" idx="12"/>
-          </p:nvPr>
-        </p:nvSpPr>
-        <p:spPr/>
-        <p:txBody>
-          <a:bodyPr/>
-          <a:lstStyle/>
-          <a:p>
-            <a:fld id="{629637A9-119A-49DA-BD12-AAC58B377D80}" type="slidenum">
-              <a:rPr lang="en-US" smtClean="0"/>
-              <a:t>3</a:t>
-            </a:fld>
-            <a:endParaRPr lang="en-US" dirty="0"/>
-          </a:p>
-        </p:txBody>
-      </p:sp>
-      <p:sp>
-        <p:nvSpPr>
-          <p:cNvPr id="5" name="Arrow: Right 4"/>
-          <p:cNvSpPr/>
-          <p:nvPr/>
-        </p:nvSpPr>
-        <p:spPr>
-          <a:xfrm>
-            <a:off x="310392" y="1476462"/>
-            <a:ext cx="978408" cy="484632"/>
-          </a:xfrm>
-          <a:prstGeom prst="rightArrow">
-            <a:avLst/>
-          </a:prstGeom>
-          <a:solidFill>
-            <a:schemeClr val="tx2">
-              <a:lumMod val="60000"/>
-              <a:lumOff val="40000"/>
-            </a:schemeClr>
-          </a:solidFill>
-        </p:spPr>
-        <p:style>
-          <a:lnRef idx="2">
-            <a:schemeClr val="accent1">
-              <a:shade val="50000"/>
-            </a:schemeClr>
-          </a:lnRef>
-          <a:fillRef idx="1">
-            <a:schemeClr val="accent1"/>
-          </a:fillRef>
-          <a:effectRef idx="0">
-            <a:schemeClr val="accent1"/>
-          </a:effectRef>
-          <a:fontRef idx="minor">
-            <a:schemeClr val="lt1"/>
-          </a:fontRef>
-        </p:style>
-        <p:txBody>
-          <a:bodyPr rtlCol="0" anchor="ctr"/>
-          <a:lstStyle/>
-          <a:p>
-            <a:pPr algn="ctr"/>
-            <a:endParaRPr lang="en-US"/>
-          </a:p>
-        </p:txBody>
-      </p:sp>
-    </p:spTree>
-    <p:extLst>
-      <p:ext uri="{BB962C8B-B14F-4D97-AF65-F5344CB8AC3E}">
-        <p14:creationId xmlns:p14="http://schemas.microsoft.com/office/powerpoint/2010/main" val="3809131237"/>
-      </p:ext>
-    </p:extLst>
-  </p:cSld>
-  <p:clrMapOvr>
-    <a:masterClrMapping/>
-  </p:clrMapOvr>
-</p:sld>
-</file>
-
-<file path=ppt/slides/slide30.xml><?xml version="1.0" encoding="utf-8"?>
+<file path=ppt/slides/slide33.xml><?xml version="1.0" encoding="utf-8"?>
 <p:sld xmlns:a="http://schemas.openxmlformats.org/drawingml/2006/main" xmlns:r="http://schemas.openxmlformats.org/officeDocument/2006/relationships" xmlns:p="http://schemas.openxmlformats.org/presentationml/2006/main">
   <p:cSld>
     <p:spTree>
@@ -16777,7 +19225,7 @@
           <a:p>
             <a:fld id="{629637A9-119A-49DA-BD12-AAC58B377D80}" type="slidenum">
               <a:rPr lang="en-US" smtClean="0"/>
-              <a:t>30</a:t>
+              <a:t>33</a:t>
             </a:fld>
             <a:endParaRPr lang="en-US" dirty="0"/>
           </a:p>
@@ -17240,7 +19688,7 @@
 </p:sld>
 </file>
 
-<file path=ppt/slides/slide31.xml><?xml version="1.0" encoding="utf-8"?>
+<file path=ppt/slides/slide34.xml><?xml version="1.0" encoding="utf-8"?>
 <p:sld xmlns:a="http://schemas.openxmlformats.org/drawingml/2006/main" xmlns:r="http://schemas.openxmlformats.org/officeDocument/2006/relationships" xmlns:p="http://schemas.openxmlformats.org/presentationml/2006/main">
   <p:cSld>
     <p:spTree>
@@ -17795,7 +20243,7 @@
           <a:p>
             <a:fld id="{629637A9-119A-49DA-BD12-AAC58B377D80}" type="slidenum">
               <a:rPr lang="en-US" smtClean="0"/>
-              <a:t>31</a:t>
+              <a:t>34</a:t>
             </a:fld>
             <a:endParaRPr lang="en-US" dirty="0"/>
           </a:p>
@@ -17838,7 +20286,7 @@
 </p:sld>
 </file>
 
-<file path=ppt/slides/slide32.xml><?xml version="1.0" encoding="utf-8"?>
+<file path=ppt/slides/slide35.xml><?xml version="1.0" encoding="utf-8"?>
 <p:sld xmlns:a="http://schemas.openxmlformats.org/drawingml/2006/main" xmlns:r="http://schemas.openxmlformats.org/officeDocument/2006/relationships" xmlns:p="http://schemas.openxmlformats.org/presentationml/2006/main">
   <p:cSld>
     <p:spTree>
@@ -17947,7 +20395,7 @@
           <a:p>
             <a:fld id="{629637A9-119A-49DA-BD12-AAC58B377D80}" type="slidenum">
               <a:rPr lang="en-US" smtClean="0"/>
-              <a:t>32</a:t>
+              <a:t>35</a:t>
             </a:fld>
             <a:endParaRPr lang="en-US" dirty="0"/>
           </a:p>
@@ -18012,7 +20460,7 @@
 </p:sld>
 </file>
 
-<file path=ppt/slides/slide33.xml><?xml version="1.0" encoding="utf-8"?>
+<file path=ppt/slides/slide36.xml><?xml version="1.0" encoding="utf-8"?>
 <p:sld xmlns:a="http://schemas.openxmlformats.org/drawingml/2006/main" xmlns:r="http://schemas.openxmlformats.org/officeDocument/2006/relationships" xmlns:p="http://schemas.openxmlformats.org/presentationml/2006/main">
   <p:cSld>
     <p:spTree>
@@ -18536,7 +20984,7 @@
           <a:p>
             <a:fld id="{629637A9-119A-49DA-BD12-AAC58B377D80}" type="slidenum">
               <a:rPr lang="en-US" smtClean="0"/>
-              <a:t>33</a:t>
+              <a:t>36</a:t>
             </a:fld>
             <a:endParaRPr lang="en-US" dirty="0"/>
           </a:p>
@@ -18555,7 +21003,7 @@
 </p:sld>
 </file>
 
-<file path=ppt/slides/slide34.xml><?xml version="1.0" encoding="utf-8"?>
+<file path=ppt/slides/slide37.xml><?xml version="1.0" encoding="utf-8"?>
 <p:sld xmlns:a="http://schemas.openxmlformats.org/drawingml/2006/main" xmlns:r="http://schemas.openxmlformats.org/officeDocument/2006/relationships" xmlns:p="http://schemas.openxmlformats.org/presentationml/2006/main">
   <p:cSld>
     <p:spTree>
@@ -19459,7 +21907,7 @@
           <a:p>
             <a:fld id="{629637A9-119A-49DA-BD12-AAC58B377D80}" type="slidenum">
               <a:rPr lang="en-US" smtClean="0"/>
-              <a:t>34</a:t>
+              <a:t>37</a:t>
             </a:fld>
             <a:endParaRPr lang="en-US" dirty="0"/>
           </a:p>
@@ -19478,8 +21926,8 @@
 </p:sld>
 </file>
 
-<file path=ppt/slides/slide35.xml><?xml version="1.0" encoding="utf-8"?>
-<p:sld xmlns:a="http://schemas.openxmlformats.org/drawingml/2006/main" xmlns:r="http://schemas.openxmlformats.org/officeDocument/2006/relationships" xmlns:p="http://schemas.openxmlformats.org/presentationml/2006/main">
+<file path=ppt/slides/slide38.xml><?xml version="1.0" encoding="utf-8"?>
+<p:sld xmlns:a="http://schemas.openxmlformats.org/drawingml/2006/main" xmlns:r="http://schemas.openxmlformats.org/officeDocument/2006/relationships" xmlns:p="http://schemas.openxmlformats.org/presentationml/2006/main" show="0">
   <p:cSld>
     <p:spTree>
       <p:nvGrpSpPr>
@@ -20179,7 +22627,7 @@
           <a:p>
             <a:fld id="{629637A9-119A-49DA-BD12-AAC58B377D80}" type="slidenum">
               <a:rPr lang="en-US" smtClean="0"/>
-              <a:t>35</a:t>
+              <a:t>38</a:t>
             </a:fld>
             <a:endParaRPr lang="en-US" dirty="0"/>
           </a:p>
@@ -20198,7 +22646,7 @@
 </p:sld>
 </file>
 
-<file path=ppt/slides/slide36.xml><?xml version="1.0" encoding="utf-8"?>
+<file path=ppt/slides/slide39.xml><?xml version="1.0" encoding="utf-8"?>
 <p:sld xmlns:a="http://schemas.openxmlformats.org/drawingml/2006/main" xmlns:r="http://schemas.openxmlformats.org/officeDocument/2006/relationships" xmlns:p="http://schemas.openxmlformats.org/presentationml/2006/main">
   <p:cSld>
     <p:spTree>
@@ -20993,7 +23441,7 @@
           <a:p>
             <a:fld id="{629637A9-119A-49DA-BD12-AAC58B377D80}" type="slidenum">
               <a:rPr lang="en-US" smtClean="0"/>
-              <a:t>36</a:t>
+              <a:t>39</a:t>
             </a:fld>
             <a:endParaRPr lang="en-US" dirty="0"/>
           </a:p>
@@ -21012,7 +23460,205 @@
 </p:sld>
 </file>
 
-<file path=ppt/slides/slide37.xml><?xml version="1.0" encoding="utf-8"?>
+<file path=ppt/slides/slide4.xml><?xml version="1.0" encoding="utf-8"?>
+<p:sld xmlns:a="http://schemas.openxmlformats.org/drawingml/2006/main" xmlns:r="http://schemas.openxmlformats.org/officeDocument/2006/relationships" xmlns:p="http://schemas.openxmlformats.org/presentationml/2006/main">
+  <p:cSld>
+    <p:spTree>
+      <p:nvGrpSpPr>
+        <p:cNvPr id="1" name=""/>
+        <p:cNvGrpSpPr/>
+        <p:nvPr/>
+      </p:nvGrpSpPr>
+      <p:grpSpPr>
+        <a:xfrm>
+          <a:off x="0" y="0"/>
+          <a:ext cx="0" cy="0"/>
+          <a:chOff x="0" y="0"/>
+          <a:chExt cx="0" cy="0"/>
+        </a:xfrm>
+      </p:grpSpPr>
+      <p:sp>
+        <p:nvSpPr>
+          <p:cNvPr id="2" name="Title 1"/>
+          <p:cNvSpPr>
+            <a:spLocks noGrp="1"/>
+          </p:cNvSpPr>
+          <p:nvPr>
+            <p:ph type="title"/>
+          </p:nvPr>
+        </p:nvSpPr>
+        <p:spPr/>
+        <p:txBody>
+          <a:bodyPr/>
+          <a:lstStyle/>
+          <a:p>
+            <a:r>
+              <a:rPr lang="en-US" dirty="0"/>
+              <a:t>MNIST Digit Classification</a:t>
+            </a:r>
+          </a:p>
+        </p:txBody>
+      </p:sp>
+      <p:sp>
+        <p:nvSpPr>
+          <p:cNvPr id="3" name="Content Placeholder 2"/>
+          <p:cNvSpPr>
+            <a:spLocks noGrp="1"/>
+          </p:cNvSpPr>
+          <p:nvPr>
+            <p:ph idx="1"/>
+          </p:nvPr>
+        </p:nvSpPr>
+        <p:spPr>
+          <a:xfrm>
+            <a:off x="6814158" y="1678488"/>
+            <a:ext cx="4534423" cy="4190606"/>
+          </a:xfrm>
+        </p:spPr>
+        <p:txBody>
+          <a:bodyPr/>
+          <a:lstStyle/>
+          <a:p>
+            <a:r>
+              <a:rPr lang="en-US" dirty="0"/>
+              <a:t>Problem:  Recognize hand-written digits</a:t>
+            </a:r>
+          </a:p>
+          <a:p>
+            <a:r>
+              <a:rPr lang="en-US" dirty="0"/>
+              <a:t>Original problem:</a:t>
+            </a:r>
+          </a:p>
+          <a:p>
+            <a:pPr lvl="1"/>
+            <a:r>
+              <a:rPr lang="en-US" dirty="0"/>
+              <a:t>Census forms </a:t>
+            </a:r>
+          </a:p>
+          <a:p>
+            <a:pPr lvl="1"/>
+            <a:r>
+              <a:rPr lang="en-US" dirty="0"/>
+              <a:t>Automated processing</a:t>
+            </a:r>
+          </a:p>
+          <a:p>
+            <a:r>
+              <a:rPr lang="en-US" dirty="0"/>
+              <a:t>Classic machine learning problem</a:t>
+            </a:r>
+          </a:p>
+          <a:p>
+            <a:r>
+              <a:rPr lang="en-US" dirty="0"/>
+              <a:t>Benchmark</a:t>
+            </a:r>
+          </a:p>
+          <a:p>
+            <a:endParaRPr lang="en-US" dirty="0"/>
+          </a:p>
+        </p:txBody>
+      </p:sp>
+      <p:sp>
+        <p:nvSpPr>
+          <p:cNvPr id="4" name="Slide Number Placeholder 3"/>
+          <p:cNvSpPr>
+            <a:spLocks noGrp="1"/>
+          </p:cNvSpPr>
+          <p:nvPr>
+            <p:ph type="sldNum" sz="quarter" idx="12"/>
+          </p:nvPr>
+        </p:nvSpPr>
+        <p:spPr/>
+        <p:txBody>
+          <a:bodyPr/>
+          <a:lstStyle/>
+          <a:p>
+            <a:fld id="{629637A9-119A-49DA-BD12-AAC58B377D80}" type="slidenum">
+              <a:rPr lang="en-US" smtClean="0"/>
+              <a:t>4</a:t>
+            </a:fld>
+            <a:endParaRPr lang="en-US" dirty="0"/>
+          </a:p>
+        </p:txBody>
+      </p:sp>
+      <p:pic>
+        <p:nvPicPr>
+          <p:cNvPr id="5" name="Picture 4"/>
+          <p:cNvPicPr>
+            <a:picLocks noChangeAspect="1"/>
+          </p:cNvPicPr>
+          <p:nvPr/>
+        </p:nvPicPr>
+        <p:blipFill>
+          <a:blip r:embed="rId2"/>
+          <a:stretch>
+            <a:fillRect/>
+          </a:stretch>
+        </p:blipFill>
+        <p:spPr>
+          <a:xfrm>
+            <a:off x="343145" y="1678488"/>
+            <a:ext cx="5957447" cy="3125351"/>
+          </a:xfrm>
+          <a:prstGeom prst="rect">
+            <a:avLst/>
+          </a:prstGeom>
+        </p:spPr>
+      </p:pic>
+      <p:sp>
+        <p:nvSpPr>
+          <p:cNvPr id="6" name="TextBox 5"/>
+          <p:cNvSpPr txBox="1"/>
+          <p:nvPr/>
+        </p:nvSpPr>
+        <p:spPr>
+          <a:xfrm>
+            <a:off x="438411" y="5336088"/>
+            <a:ext cx="5062989" cy="369332"/>
+          </a:xfrm>
+          <a:prstGeom prst="rect">
+            <a:avLst/>
+          </a:prstGeom>
+          <a:noFill/>
+        </p:spPr>
+        <p:txBody>
+          <a:bodyPr wrap="none" rtlCol="0">
+            <a:spAutoFit/>
+          </a:bodyPr>
+          <a:lstStyle/>
+          <a:p>
+            <a:r>
+              <a:rPr lang="en-US" dirty="0"/>
+              <a:t>From Patrick J. </a:t>
+            </a:r>
+            <a:r>
+              <a:rPr lang="en-US" dirty="0" err="1"/>
+              <a:t>Grother</a:t>
+            </a:r>
+            <a:r>
+              <a:rPr lang="en-US" dirty="0"/>
+              <a:t>, NIST Special Database, 1995</a:t>
+            </a:r>
+          </a:p>
+        </p:txBody>
+      </p:sp>
+    </p:spTree>
+    <p:extLst>
+      <p:ext uri="{BB962C8B-B14F-4D97-AF65-F5344CB8AC3E}">
+        <p14:creationId xmlns:p14="http://schemas.microsoft.com/office/powerpoint/2010/main" val="2149150460"/>
+      </p:ext>
+    </p:extLst>
+  </p:cSld>
+  <p:clrMapOvr>
+    <a:masterClrMapping/>
+  </p:clrMapOvr>
+</p:sld>
+</file>
+
+<file path=ppt/slides/slide40.xml><?xml version="1.0" encoding="utf-8"?>
 <p:sld xmlns:a="http://schemas.openxmlformats.org/drawingml/2006/main" xmlns:r="http://schemas.openxmlformats.org/officeDocument/2006/relationships" xmlns:p="http://schemas.openxmlformats.org/presentationml/2006/main">
   <p:cSld>
     <p:spTree>
@@ -21386,7 +24032,7 @@
           <a:p>
             <a:fld id="{629637A9-119A-49DA-BD12-AAC58B377D80}" type="slidenum">
               <a:rPr lang="en-US" smtClean="0"/>
-              <a:t>37</a:t>
+              <a:t>40</a:t>
             </a:fld>
             <a:endParaRPr lang="en-US" dirty="0"/>
           </a:p>
@@ -21405,7 +24051,7 @@
 </p:sld>
 </file>
 
-<file path=ppt/slides/slide38.xml><?xml version="1.0" encoding="utf-8"?>
+<file path=ppt/slides/slide41.xml><?xml version="1.0" encoding="utf-8"?>
 <p:sld xmlns:a="http://schemas.openxmlformats.org/drawingml/2006/main" xmlns:r="http://schemas.openxmlformats.org/officeDocument/2006/relationships" xmlns:p="http://schemas.openxmlformats.org/presentationml/2006/main">
   <p:cSld>
     <p:spTree>
@@ -22476,7 +25122,7 @@
           <a:p>
             <a:fld id="{629637A9-119A-49DA-BD12-AAC58B377D80}" type="slidenum">
               <a:rPr lang="en-US" smtClean="0"/>
-              <a:t>38</a:t>
+              <a:t>41</a:t>
             </a:fld>
             <a:endParaRPr lang="en-US" dirty="0"/>
           </a:p>
@@ -22495,7 +25141,7 @@
 </p:sld>
 </file>
 
-<file path=ppt/slides/slide39.xml><?xml version="1.0" encoding="utf-8"?>
+<file path=ppt/slides/slide42.xml><?xml version="1.0" encoding="utf-8"?>
 <p:sld xmlns:a="http://schemas.openxmlformats.org/drawingml/2006/main" xmlns:r="http://schemas.openxmlformats.org/officeDocument/2006/relationships" xmlns:p="http://schemas.openxmlformats.org/presentationml/2006/main">
   <p:cSld>
     <p:spTree>
@@ -23775,7 +26421,7 @@
           <a:p>
             <a:fld id="{629637A9-119A-49DA-BD12-AAC58B377D80}" type="slidenum">
               <a:rPr lang="en-US" smtClean="0"/>
-              <a:t>39</a:t>
+              <a:t>42</a:t>
             </a:fld>
             <a:endParaRPr lang="en-US" dirty="0"/>
           </a:p>
@@ -23794,205 +26440,7 @@
 </p:sld>
 </file>
 
-<file path=ppt/slides/slide4.xml><?xml version="1.0" encoding="utf-8"?>
-<p:sld xmlns:a="http://schemas.openxmlformats.org/drawingml/2006/main" xmlns:r="http://schemas.openxmlformats.org/officeDocument/2006/relationships" xmlns:p="http://schemas.openxmlformats.org/presentationml/2006/main">
-  <p:cSld>
-    <p:spTree>
-      <p:nvGrpSpPr>
-        <p:cNvPr id="1" name=""/>
-        <p:cNvGrpSpPr/>
-        <p:nvPr/>
-      </p:nvGrpSpPr>
-      <p:grpSpPr>
-        <a:xfrm>
-          <a:off x="0" y="0"/>
-          <a:ext cx="0" cy="0"/>
-          <a:chOff x="0" y="0"/>
-          <a:chExt cx="0" cy="0"/>
-        </a:xfrm>
-      </p:grpSpPr>
-      <p:sp>
-        <p:nvSpPr>
-          <p:cNvPr id="2" name="Title 1"/>
-          <p:cNvSpPr>
-            <a:spLocks noGrp="1"/>
-          </p:cNvSpPr>
-          <p:nvPr>
-            <p:ph type="title"/>
-          </p:nvPr>
-        </p:nvSpPr>
-        <p:spPr/>
-        <p:txBody>
-          <a:bodyPr/>
-          <a:lstStyle/>
-          <a:p>
-            <a:r>
-              <a:rPr lang="en-US" dirty="0"/>
-              <a:t>MNIST Digit Classification</a:t>
-            </a:r>
-          </a:p>
-        </p:txBody>
-      </p:sp>
-      <p:sp>
-        <p:nvSpPr>
-          <p:cNvPr id="3" name="Content Placeholder 2"/>
-          <p:cNvSpPr>
-            <a:spLocks noGrp="1"/>
-          </p:cNvSpPr>
-          <p:nvPr>
-            <p:ph idx="1"/>
-          </p:nvPr>
-        </p:nvSpPr>
-        <p:spPr>
-          <a:xfrm>
-            <a:off x="6814158" y="1678488"/>
-            <a:ext cx="4534423" cy="4190606"/>
-          </a:xfrm>
-        </p:spPr>
-        <p:txBody>
-          <a:bodyPr/>
-          <a:lstStyle/>
-          <a:p>
-            <a:r>
-              <a:rPr lang="en-US" dirty="0"/>
-              <a:t>Problem:  Recognize hand-written digits</a:t>
-            </a:r>
-          </a:p>
-          <a:p>
-            <a:r>
-              <a:rPr lang="en-US" dirty="0"/>
-              <a:t>Original problem:</a:t>
-            </a:r>
-          </a:p>
-          <a:p>
-            <a:pPr lvl="1"/>
-            <a:r>
-              <a:rPr lang="en-US" dirty="0"/>
-              <a:t>Census forms </a:t>
-            </a:r>
-          </a:p>
-          <a:p>
-            <a:pPr lvl="1"/>
-            <a:r>
-              <a:rPr lang="en-US" dirty="0"/>
-              <a:t>Automated processing</a:t>
-            </a:r>
-          </a:p>
-          <a:p>
-            <a:r>
-              <a:rPr lang="en-US" dirty="0"/>
-              <a:t>Classic machine learning problem</a:t>
-            </a:r>
-          </a:p>
-          <a:p>
-            <a:r>
-              <a:rPr lang="en-US" dirty="0"/>
-              <a:t>Benchmark</a:t>
-            </a:r>
-          </a:p>
-          <a:p>
-            <a:endParaRPr lang="en-US" dirty="0"/>
-          </a:p>
-        </p:txBody>
-      </p:sp>
-      <p:sp>
-        <p:nvSpPr>
-          <p:cNvPr id="4" name="Slide Number Placeholder 3"/>
-          <p:cNvSpPr>
-            <a:spLocks noGrp="1"/>
-          </p:cNvSpPr>
-          <p:nvPr>
-            <p:ph type="sldNum" sz="quarter" idx="12"/>
-          </p:nvPr>
-        </p:nvSpPr>
-        <p:spPr/>
-        <p:txBody>
-          <a:bodyPr/>
-          <a:lstStyle/>
-          <a:p>
-            <a:fld id="{629637A9-119A-49DA-BD12-AAC58B377D80}" type="slidenum">
-              <a:rPr lang="en-US" smtClean="0"/>
-              <a:t>4</a:t>
-            </a:fld>
-            <a:endParaRPr lang="en-US" dirty="0"/>
-          </a:p>
-        </p:txBody>
-      </p:sp>
-      <p:pic>
-        <p:nvPicPr>
-          <p:cNvPr id="5" name="Picture 4"/>
-          <p:cNvPicPr>
-            <a:picLocks noChangeAspect="1"/>
-          </p:cNvPicPr>
-          <p:nvPr/>
-        </p:nvPicPr>
-        <p:blipFill>
-          <a:blip r:embed="rId2"/>
-          <a:stretch>
-            <a:fillRect/>
-          </a:stretch>
-        </p:blipFill>
-        <p:spPr>
-          <a:xfrm>
-            <a:off x="343145" y="1678488"/>
-            <a:ext cx="5957447" cy="3125351"/>
-          </a:xfrm>
-          <a:prstGeom prst="rect">
-            <a:avLst/>
-          </a:prstGeom>
-        </p:spPr>
-      </p:pic>
-      <p:sp>
-        <p:nvSpPr>
-          <p:cNvPr id="6" name="TextBox 5"/>
-          <p:cNvSpPr txBox="1"/>
-          <p:nvPr/>
-        </p:nvSpPr>
-        <p:spPr>
-          <a:xfrm>
-            <a:off x="438411" y="5336088"/>
-            <a:ext cx="5062989" cy="369332"/>
-          </a:xfrm>
-          <a:prstGeom prst="rect">
-            <a:avLst/>
-          </a:prstGeom>
-          <a:noFill/>
-        </p:spPr>
-        <p:txBody>
-          <a:bodyPr wrap="none" rtlCol="0">
-            <a:spAutoFit/>
-          </a:bodyPr>
-          <a:lstStyle/>
-          <a:p>
-            <a:r>
-              <a:rPr lang="en-US" dirty="0"/>
-              <a:t>From Patrick J. </a:t>
-            </a:r>
-            <a:r>
-              <a:rPr lang="en-US" dirty="0" err="1"/>
-              <a:t>Grother</a:t>
-            </a:r>
-            <a:r>
-              <a:rPr lang="en-US" dirty="0"/>
-              <a:t>, NIST Special Database, 1995</a:t>
-            </a:r>
-          </a:p>
-        </p:txBody>
-      </p:sp>
-    </p:spTree>
-    <p:extLst>
-      <p:ext uri="{BB962C8B-B14F-4D97-AF65-F5344CB8AC3E}">
-        <p14:creationId xmlns:p14="http://schemas.microsoft.com/office/powerpoint/2010/main" val="2149150460"/>
-      </p:ext>
-    </p:extLst>
-  </p:cSld>
-  <p:clrMapOvr>
-    <a:masterClrMapping/>
-  </p:clrMapOvr>
-</p:sld>
-</file>
-
-<file path=ppt/slides/slide40.xml><?xml version="1.0" encoding="utf-8"?>
+<file path=ppt/slides/slide43.xml><?xml version="1.0" encoding="utf-8"?>
 <p:sld xmlns:a="http://schemas.openxmlformats.org/drawingml/2006/main" xmlns:r="http://schemas.openxmlformats.org/officeDocument/2006/relationships" xmlns:p="http://schemas.openxmlformats.org/presentationml/2006/main">
   <p:cSld>
     <p:spTree>
@@ -24389,7 +26837,7 @@
           <a:p>
             <a:fld id="{629637A9-119A-49DA-BD12-AAC58B377D80}" type="slidenum">
               <a:rPr lang="en-US" smtClean="0"/>
-              <a:t>40</a:t>
+              <a:t>43</a:t>
             </a:fld>
             <a:endParaRPr lang="en-US" dirty="0"/>
           </a:p>
@@ -24432,7 +26880,7 @@
 </p:sld>
 </file>
 
-<file path=ppt/slides/slide41.xml><?xml version="1.0" encoding="utf-8"?>
+<file path=ppt/slides/slide44.xml><?xml version="1.0" encoding="utf-8"?>
 <p:sld xmlns:a="http://schemas.openxmlformats.org/drawingml/2006/main" xmlns:r="http://schemas.openxmlformats.org/officeDocument/2006/relationships" xmlns:p="http://schemas.openxmlformats.org/presentationml/2006/main">
   <p:cSld>
     <p:spTree>
@@ -25164,7 +27612,7 @@
           <a:p>
             <a:fld id="{629637A9-119A-49DA-BD12-AAC58B377D80}" type="slidenum">
               <a:rPr lang="en-US" smtClean="0"/>
-              <a:t>41</a:t>
+              <a:t>44</a:t>
             </a:fld>
             <a:endParaRPr lang="en-US" dirty="0"/>
           </a:p>
@@ -25183,7 +27631,7 @@
 </p:sld>
 </file>
 
-<file path=ppt/slides/slide42.xml><?xml version="1.0" encoding="utf-8"?>
+<file path=ppt/slides/slide45.xml><?xml version="1.0" encoding="utf-8"?>
 <p:sld xmlns:a="http://schemas.openxmlformats.org/drawingml/2006/main" xmlns:r="http://schemas.openxmlformats.org/officeDocument/2006/relationships" xmlns:p="http://schemas.openxmlformats.org/presentationml/2006/main">
   <p:cSld>
     <p:spTree>
@@ -25292,7 +27740,7 @@
           <a:p>
             <a:fld id="{629637A9-119A-49DA-BD12-AAC58B377D80}" type="slidenum">
               <a:rPr lang="en-US" smtClean="0"/>
-              <a:t>42</a:t>
+              <a:t>45</a:t>
             </a:fld>
             <a:endParaRPr lang="en-US" dirty="0"/>
           </a:p>
@@ -25357,7 +27805,7 @@
 </p:sld>
 </file>
 
-<file path=ppt/slides/slide43.xml><?xml version="1.0" encoding="utf-8"?>
+<file path=ppt/slides/slide46.xml><?xml version="1.0" encoding="utf-8"?>
 <p:sld xmlns:a="http://schemas.openxmlformats.org/drawingml/2006/main" xmlns:r="http://schemas.openxmlformats.org/officeDocument/2006/relationships" xmlns:p="http://schemas.openxmlformats.org/presentationml/2006/main">
   <p:cSld>
     <p:spTree>
@@ -25669,7 +28117,7 @@
           <a:p>
             <a:fld id="{629637A9-119A-49DA-BD12-AAC58B377D80}" type="slidenum">
               <a:rPr lang="en-US" smtClean="0"/>
-              <a:t>43</a:t>
+              <a:t>46</a:t>
             </a:fld>
             <a:endParaRPr lang="en-US" dirty="0"/>
           </a:p>
@@ -25758,7 +28206,7 @@
 </p:sld>
 </file>
 
-<file path=ppt/slides/slide44.xml><?xml version="1.0" encoding="utf-8"?>
+<file path=ppt/slides/slide47.xml><?xml version="1.0" encoding="utf-8"?>
 <p:sld xmlns:a="http://schemas.openxmlformats.org/drawingml/2006/main" xmlns:r="http://schemas.openxmlformats.org/officeDocument/2006/relationships" xmlns:p="http://schemas.openxmlformats.org/presentationml/2006/main">
   <p:cSld>
     <p:spTree>
@@ -26590,7 +29038,7 @@
           <a:p>
             <a:fld id="{629637A9-119A-49DA-BD12-AAC58B377D80}" type="slidenum">
               <a:rPr lang="en-US" smtClean="0"/>
-              <a:t>44</a:t>
+              <a:t>47</a:t>
             </a:fld>
             <a:endParaRPr lang="en-US" dirty="0"/>
           </a:p>
@@ -26777,7 +29225,7 @@
 </p:sld>
 </file>
 
-<file path=ppt/slides/slide45.xml><?xml version="1.0" encoding="utf-8"?>
+<file path=ppt/slides/slide48.xml><?xml version="1.0" encoding="utf-8"?>
 <p:sld xmlns:a="http://schemas.openxmlformats.org/drawingml/2006/main" xmlns:r="http://schemas.openxmlformats.org/officeDocument/2006/relationships" xmlns:p="http://schemas.openxmlformats.org/presentationml/2006/main">
   <p:cSld>
     <p:spTree>
@@ -27584,7 +30032,7 @@
           <a:p>
             <a:fld id="{629637A9-119A-49DA-BD12-AAC58B377D80}" type="slidenum">
               <a:rPr lang="en-US" smtClean="0"/>
-              <a:t>45</a:t>
+              <a:t>48</a:t>
             </a:fld>
             <a:endParaRPr lang="en-US" dirty="0"/>
           </a:p>
@@ -27603,7 +30051,7 @@
 </p:sld>
 </file>
 
-<file path=ppt/slides/slide46.xml><?xml version="1.0" encoding="utf-8"?>
+<file path=ppt/slides/slide49.xml><?xml version="1.0" encoding="utf-8"?>
 <p:sld xmlns:a="http://schemas.openxmlformats.org/drawingml/2006/main" xmlns:r="http://schemas.openxmlformats.org/officeDocument/2006/relationships" xmlns:p="http://schemas.openxmlformats.org/presentationml/2006/main">
   <p:cSld>
     <p:spTree>
@@ -28329,7 +30777,7 @@
           <a:p>
             <a:fld id="{629637A9-119A-49DA-BD12-AAC58B377D80}" type="slidenum">
               <a:rPr lang="en-US" smtClean="0"/>
-              <a:t>46</a:t>
+              <a:t>49</a:t>
             </a:fld>
             <a:endParaRPr lang="en-US" dirty="0"/>
           </a:p>
@@ -28389,7 +30837,191 @@
 </p:sld>
 </file>
 
-<file path=ppt/slides/slide47.xml><?xml version="1.0" encoding="utf-8"?>
+<file path=ppt/slides/slide5.xml><?xml version="1.0" encoding="utf-8"?>
+<p:sld xmlns:a="http://schemas.openxmlformats.org/drawingml/2006/main" xmlns:r="http://schemas.openxmlformats.org/officeDocument/2006/relationships" xmlns:p="http://schemas.openxmlformats.org/presentationml/2006/main">
+  <p:cSld>
+    <p:spTree>
+      <p:nvGrpSpPr>
+        <p:cNvPr id="1" name=""/>
+        <p:cNvGrpSpPr/>
+        <p:nvPr/>
+      </p:nvGrpSpPr>
+      <p:grpSpPr>
+        <a:xfrm>
+          <a:off x="0" y="0"/>
+          <a:ext cx="0" cy="0"/>
+          <a:chOff x="0" y="0"/>
+          <a:chExt cx="0" cy="0"/>
+        </a:xfrm>
+      </p:grpSpPr>
+      <p:sp>
+        <p:nvSpPr>
+          <p:cNvPr id="2" name="Title 1"/>
+          <p:cNvSpPr>
+            <a:spLocks noGrp="1"/>
+          </p:cNvSpPr>
+          <p:nvPr>
+            <p:ph type="title"/>
+          </p:nvPr>
+        </p:nvSpPr>
+        <p:spPr/>
+        <p:txBody>
+          <a:bodyPr/>
+          <a:lstStyle/>
+          <a:p>
+            <a:r>
+              <a:rPr lang="en-US" dirty="0"/>
+              <a:t>A Widely-Used Benchmark</a:t>
+            </a:r>
+          </a:p>
+        </p:txBody>
+      </p:sp>
+      <p:sp>
+        <p:nvSpPr>
+          <p:cNvPr id="3" name="Content Placeholder 2"/>
+          <p:cNvSpPr>
+            <a:spLocks noGrp="1"/>
+          </p:cNvSpPr>
+          <p:nvPr>
+            <p:ph idx="1"/>
+          </p:nvPr>
+        </p:nvSpPr>
+        <p:spPr>
+          <a:xfrm>
+            <a:off x="7503090" y="1539277"/>
+            <a:ext cx="3652590" cy="4329817"/>
+          </a:xfrm>
+        </p:spPr>
+        <p:txBody>
+          <a:bodyPr/>
+          <a:lstStyle/>
+          <a:p>
+            <a:r>
+              <a:rPr lang="en-US" dirty="0"/>
+              <a:t>We will look at SVM today</a:t>
+            </a:r>
+          </a:p>
+          <a:p>
+            <a:r>
+              <a:rPr lang="en-US" dirty="0"/>
+              <a:t>Not the best algorithm</a:t>
+            </a:r>
+          </a:p>
+          <a:p>
+            <a:r>
+              <a:rPr lang="en-US" dirty="0"/>
+              <a:t>But quite good</a:t>
+            </a:r>
+          </a:p>
+          <a:p>
+            <a:r>
+              <a:rPr lang="en-US" dirty="0"/>
+              <a:t>…and illustrates the main points</a:t>
+            </a:r>
+          </a:p>
+        </p:txBody>
+      </p:sp>
+      <p:sp>
+        <p:nvSpPr>
+          <p:cNvPr id="4" name="Slide Number Placeholder 3"/>
+          <p:cNvSpPr>
+            <a:spLocks noGrp="1"/>
+          </p:cNvSpPr>
+          <p:nvPr>
+            <p:ph type="sldNum" sz="quarter" idx="12"/>
+          </p:nvPr>
+        </p:nvSpPr>
+        <p:spPr/>
+        <p:txBody>
+          <a:bodyPr/>
+          <a:lstStyle/>
+          <a:p>
+            <a:fld id="{629637A9-119A-49DA-BD12-AAC58B377D80}" type="slidenum">
+              <a:rPr lang="en-US" smtClean="0"/>
+              <a:t>5</a:t>
+            </a:fld>
+            <a:endParaRPr lang="en-US" dirty="0"/>
+          </a:p>
+        </p:txBody>
+      </p:sp>
+      <p:pic>
+        <p:nvPicPr>
+          <p:cNvPr id="5" name="Picture 4"/>
+          <p:cNvPicPr>
+            <a:picLocks noChangeAspect="1"/>
+          </p:cNvPicPr>
+          <p:nvPr/>
+        </p:nvPicPr>
+        <p:blipFill>
+          <a:blip r:embed="rId2"/>
+          <a:stretch>
+            <a:fillRect/>
+          </a:stretch>
+        </p:blipFill>
+        <p:spPr>
+          <a:xfrm>
+            <a:off x="489066" y="2718146"/>
+            <a:ext cx="6530791" cy="2699680"/>
+          </a:xfrm>
+          <a:prstGeom prst="rect">
+            <a:avLst/>
+          </a:prstGeom>
+        </p:spPr>
+      </p:pic>
+      <p:sp>
+        <p:nvSpPr>
+          <p:cNvPr id="6" name="Arrow: Right 5"/>
+          <p:cNvSpPr/>
+          <p:nvPr/>
+        </p:nvSpPr>
+        <p:spPr>
+          <a:xfrm rot="10800000">
+            <a:off x="6772270" y="4108899"/>
+            <a:ext cx="978408" cy="484632"/>
+          </a:xfrm>
+          <a:prstGeom prst="rightArrow">
+            <a:avLst/>
+          </a:prstGeom>
+        </p:spPr>
+        <p:style>
+          <a:lnRef idx="2">
+            <a:schemeClr val="accent1">
+              <a:shade val="50000"/>
+            </a:schemeClr>
+          </a:lnRef>
+          <a:fillRef idx="1">
+            <a:schemeClr val="accent1"/>
+          </a:fillRef>
+          <a:effectRef idx="0">
+            <a:schemeClr val="accent1"/>
+          </a:effectRef>
+          <a:fontRef idx="minor">
+            <a:schemeClr val="lt1"/>
+          </a:fontRef>
+        </p:style>
+        <p:txBody>
+          <a:bodyPr rtlCol="0" anchor="ctr"/>
+          <a:lstStyle/>
+          <a:p>
+            <a:pPr algn="ctr"/>
+            <a:endParaRPr lang="en-US"/>
+          </a:p>
+        </p:txBody>
+      </p:sp>
+    </p:spTree>
+    <p:extLst>
+      <p:ext uri="{BB962C8B-B14F-4D97-AF65-F5344CB8AC3E}">
+        <p14:creationId xmlns:p14="http://schemas.microsoft.com/office/powerpoint/2010/main" val="1798527756"/>
+      </p:ext>
+    </p:extLst>
+  </p:cSld>
+  <p:clrMapOvr>
+    <a:masterClrMapping/>
+  </p:clrMapOvr>
+</p:sld>
+</file>
+
+<file path=ppt/slides/slide50.xml><?xml version="1.0" encoding="utf-8"?>
 <p:sld xmlns:a="http://schemas.openxmlformats.org/drawingml/2006/main" xmlns:r="http://schemas.openxmlformats.org/officeDocument/2006/relationships" xmlns:p="http://schemas.openxmlformats.org/presentationml/2006/main">
   <p:cSld>
     <p:spTree>
@@ -28914,7 +31546,7 @@
           <a:p>
             <a:fld id="{629637A9-119A-49DA-BD12-AAC58B377D80}" type="slidenum">
               <a:rPr lang="en-US" smtClean="0"/>
-              <a:t>47</a:t>
+              <a:t>50</a:t>
             </a:fld>
             <a:endParaRPr lang="en-US" dirty="0"/>
           </a:p>
@@ -28957,7 +31589,7 @@
 </p:sld>
 </file>
 
-<file path=ppt/slides/slide48.xml><?xml version="1.0" encoding="utf-8"?>
+<file path=ppt/slides/slide51.xml><?xml version="1.0" encoding="utf-8"?>
 <p:sld xmlns:a="http://schemas.openxmlformats.org/drawingml/2006/main" xmlns:r="http://schemas.openxmlformats.org/officeDocument/2006/relationships" xmlns:p="http://schemas.openxmlformats.org/presentationml/2006/main">
   <p:cSld>
     <p:spTree>
@@ -29290,7 +31922,7 @@
           <a:p>
             <a:fld id="{629637A9-119A-49DA-BD12-AAC58B377D80}" type="slidenum">
               <a:rPr lang="en-US" smtClean="0"/>
-              <a:t>48</a:t>
+              <a:t>51</a:t>
             </a:fld>
             <a:endParaRPr lang="en-US" dirty="0"/>
           </a:p>
@@ -29338,7 +31970,7 @@
 </p:sld>
 </file>
 
-<file path=ppt/slides/slide49.xml><?xml version="1.0" encoding="utf-8"?>
+<file path=ppt/slides/slide52.xml><?xml version="1.0" encoding="utf-8"?>
 <p:sld xmlns:a="http://schemas.openxmlformats.org/drawingml/2006/main" xmlns:r="http://schemas.openxmlformats.org/officeDocument/2006/relationships" xmlns:p="http://schemas.openxmlformats.org/presentationml/2006/main">
   <p:cSld>
     <p:spTree>
@@ -29645,7 +32277,7 @@
           <a:p>
             <a:fld id="{629637A9-119A-49DA-BD12-AAC58B377D80}" type="slidenum">
               <a:rPr lang="en-US" smtClean="0"/>
-              <a:t>49</a:t>
+              <a:t>52</a:t>
             </a:fld>
             <a:endParaRPr lang="en-US" dirty="0"/>
           </a:p>
@@ -29664,7 +32296,7 @@
 </p:sld>
 </file>
 
-<file path=ppt/slides/slide5.xml><?xml version="1.0" encoding="utf-8"?>
+<file path=ppt/slides/slide53.xml><?xml version="1.0" encoding="utf-8"?>
 <p:sld xmlns:a="http://schemas.openxmlformats.org/drawingml/2006/main" xmlns:r="http://schemas.openxmlformats.org/officeDocument/2006/relationships" xmlns:p="http://schemas.openxmlformats.org/presentationml/2006/main">
   <p:cSld>
     <p:spTree>
@@ -29698,190 +32330,6 @@
           <a:p>
             <a:r>
               <a:rPr lang="en-US" dirty="0"/>
-              <a:t>A Widely-Used Benchmark</a:t>
-            </a:r>
-          </a:p>
-        </p:txBody>
-      </p:sp>
-      <p:sp>
-        <p:nvSpPr>
-          <p:cNvPr id="3" name="Content Placeholder 2"/>
-          <p:cNvSpPr>
-            <a:spLocks noGrp="1"/>
-          </p:cNvSpPr>
-          <p:nvPr>
-            <p:ph idx="1"/>
-          </p:nvPr>
-        </p:nvSpPr>
-        <p:spPr>
-          <a:xfrm>
-            <a:off x="7503090" y="1539277"/>
-            <a:ext cx="3652590" cy="4329817"/>
-          </a:xfrm>
-        </p:spPr>
-        <p:txBody>
-          <a:bodyPr/>
-          <a:lstStyle/>
-          <a:p>
-            <a:r>
-              <a:rPr lang="en-US" dirty="0"/>
-              <a:t>We will look at SVM today</a:t>
-            </a:r>
-          </a:p>
-          <a:p>
-            <a:r>
-              <a:rPr lang="en-US" dirty="0"/>
-              <a:t>Not the best algorithm</a:t>
-            </a:r>
-          </a:p>
-          <a:p>
-            <a:r>
-              <a:rPr lang="en-US" dirty="0"/>
-              <a:t>But quite good</a:t>
-            </a:r>
-          </a:p>
-          <a:p>
-            <a:r>
-              <a:rPr lang="en-US" dirty="0"/>
-              <a:t>…and illustrates the main points</a:t>
-            </a:r>
-          </a:p>
-        </p:txBody>
-      </p:sp>
-      <p:sp>
-        <p:nvSpPr>
-          <p:cNvPr id="4" name="Slide Number Placeholder 3"/>
-          <p:cNvSpPr>
-            <a:spLocks noGrp="1"/>
-          </p:cNvSpPr>
-          <p:nvPr>
-            <p:ph type="sldNum" sz="quarter" idx="12"/>
-          </p:nvPr>
-        </p:nvSpPr>
-        <p:spPr/>
-        <p:txBody>
-          <a:bodyPr/>
-          <a:lstStyle/>
-          <a:p>
-            <a:fld id="{629637A9-119A-49DA-BD12-AAC58B377D80}" type="slidenum">
-              <a:rPr lang="en-US" smtClean="0"/>
-              <a:t>5</a:t>
-            </a:fld>
-            <a:endParaRPr lang="en-US" dirty="0"/>
-          </a:p>
-        </p:txBody>
-      </p:sp>
-      <p:pic>
-        <p:nvPicPr>
-          <p:cNvPr id="5" name="Picture 4"/>
-          <p:cNvPicPr>
-            <a:picLocks noChangeAspect="1"/>
-          </p:cNvPicPr>
-          <p:nvPr/>
-        </p:nvPicPr>
-        <p:blipFill>
-          <a:blip r:embed="rId2"/>
-          <a:stretch>
-            <a:fillRect/>
-          </a:stretch>
-        </p:blipFill>
-        <p:spPr>
-          <a:xfrm>
-            <a:off x="489066" y="2718146"/>
-            <a:ext cx="6530791" cy="2699680"/>
-          </a:xfrm>
-          <a:prstGeom prst="rect">
-            <a:avLst/>
-          </a:prstGeom>
-        </p:spPr>
-      </p:pic>
-      <p:sp>
-        <p:nvSpPr>
-          <p:cNvPr id="6" name="Arrow: Right 5"/>
-          <p:cNvSpPr/>
-          <p:nvPr/>
-        </p:nvSpPr>
-        <p:spPr>
-          <a:xfrm rot="10800000">
-            <a:off x="6772270" y="4108899"/>
-            <a:ext cx="978408" cy="484632"/>
-          </a:xfrm>
-          <a:prstGeom prst="rightArrow">
-            <a:avLst/>
-          </a:prstGeom>
-        </p:spPr>
-        <p:style>
-          <a:lnRef idx="2">
-            <a:schemeClr val="accent1">
-              <a:shade val="50000"/>
-            </a:schemeClr>
-          </a:lnRef>
-          <a:fillRef idx="1">
-            <a:schemeClr val="accent1"/>
-          </a:fillRef>
-          <a:effectRef idx="0">
-            <a:schemeClr val="accent1"/>
-          </a:effectRef>
-          <a:fontRef idx="minor">
-            <a:schemeClr val="lt1"/>
-          </a:fontRef>
-        </p:style>
-        <p:txBody>
-          <a:bodyPr rtlCol="0" anchor="ctr"/>
-          <a:lstStyle/>
-          <a:p>
-            <a:pPr algn="ctr"/>
-            <a:endParaRPr lang="en-US"/>
-          </a:p>
-        </p:txBody>
-      </p:sp>
-    </p:spTree>
-    <p:extLst>
-      <p:ext uri="{BB962C8B-B14F-4D97-AF65-F5344CB8AC3E}">
-        <p14:creationId xmlns:p14="http://schemas.microsoft.com/office/powerpoint/2010/main" val="1798527756"/>
-      </p:ext>
-    </p:extLst>
-  </p:cSld>
-  <p:clrMapOvr>
-    <a:masterClrMapping/>
-  </p:clrMapOvr>
-</p:sld>
-</file>
-
-<file path=ppt/slides/slide50.xml><?xml version="1.0" encoding="utf-8"?>
-<p:sld xmlns:a="http://schemas.openxmlformats.org/drawingml/2006/main" xmlns:r="http://schemas.openxmlformats.org/officeDocument/2006/relationships" xmlns:p="http://schemas.openxmlformats.org/presentationml/2006/main">
-  <p:cSld>
-    <p:spTree>
-      <p:nvGrpSpPr>
-        <p:cNvPr id="1" name=""/>
-        <p:cNvGrpSpPr/>
-        <p:nvPr/>
-      </p:nvGrpSpPr>
-      <p:grpSpPr>
-        <a:xfrm>
-          <a:off x="0" y="0"/>
-          <a:ext cx="0" cy="0"/>
-          <a:chOff x="0" y="0"/>
-          <a:chExt cx="0" cy="0"/>
-        </a:xfrm>
-      </p:grpSpPr>
-      <p:sp>
-        <p:nvSpPr>
-          <p:cNvPr id="2" name="Title 1"/>
-          <p:cNvSpPr>
-            <a:spLocks noGrp="1"/>
-          </p:cNvSpPr>
-          <p:nvPr>
-            <p:ph type="title"/>
-          </p:nvPr>
-        </p:nvSpPr>
-        <p:spPr/>
-        <p:txBody>
-          <a:bodyPr/>
-          <a:lstStyle/>
-          <a:p>
-            <a:r>
-              <a:rPr lang="en-US" dirty="0"/>
               <a:t>MNIST Results</a:t>
             </a:r>
           </a:p>
@@ -30050,7 +32498,7 @@
           <a:p>
             <a:fld id="{629637A9-119A-49DA-BD12-AAC58B377D80}" type="slidenum">
               <a:rPr lang="en-US" smtClean="0"/>
-              <a:t>50</a:t>
+              <a:t>53</a:t>
             </a:fld>
             <a:endParaRPr lang="en-US" dirty="0"/>
           </a:p>
@@ -30165,7 +32613,7 @@
 </p:sld>
 </file>
 
-<file path=ppt/slides/slide51.xml><?xml version="1.0" encoding="utf-8"?>
+<file path=ppt/slides/slide54.xml><?xml version="1.0" encoding="utf-8"?>
 <p:sld xmlns:a="http://schemas.openxmlformats.org/drawingml/2006/main" xmlns:r="http://schemas.openxmlformats.org/officeDocument/2006/relationships" xmlns:p="http://schemas.openxmlformats.org/presentationml/2006/main">
   <p:cSld>
     <p:spTree>
@@ -30248,7 +32696,7 @@
           <a:p>
             <a:fld id="{629637A9-119A-49DA-BD12-AAC58B377D80}" type="slidenum">
               <a:rPr lang="en-US" smtClean="0"/>
-              <a:t>51</a:t>
+              <a:t>54</a:t>
             </a:fld>
             <a:endParaRPr lang="en-US" dirty="0"/>
           </a:p>
@@ -30291,7 +32739,7 @@
 </p:sld>
 </file>
 
-<file path=ppt/slides/slide52.xml><?xml version="1.0" encoding="utf-8"?>
+<file path=ppt/slides/slide55.xml><?xml version="1.0" encoding="utf-8"?>
 <p:sld xmlns:a="http://schemas.openxmlformats.org/drawingml/2006/main" xmlns:r="http://schemas.openxmlformats.org/officeDocument/2006/relationships" xmlns:p="http://schemas.openxmlformats.org/presentationml/2006/main">
   <p:cSld>
     <p:spTree>
@@ -30433,7 +32881,7 @@
           <a:p>
             <a:fld id="{629637A9-119A-49DA-BD12-AAC58B377D80}" type="slidenum">
               <a:rPr lang="en-US" smtClean="0"/>
-              <a:t>52</a:t>
+              <a:t>55</a:t>
             </a:fld>
             <a:endParaRPr lang="en-US" dirty="0"/>
           </a:p>
@@ -30558,6 +33006,20 @@
               <a:p>
                 <a:r>
                   <a:rPr lang="en-US" dirty="0"/>
+                  <a:t>Two versions:</a:t>
+                </a:r>
+              </a:p>
+              <a:p>
+                <a:pPr lvl="1"/>
+                <a:r>
+                  <a:rPr lang="en-US" dirty="0"/>
+                  <a:t>Sample is 8 x 8 or</a:t>
+                </a:r>
+              </a:p>
+              <a:p>
+                <a:pPr lvl="1"/>
+                <a:r>
+                  <a:rPr lang="en-US" dirty="0"/>
                   <a:t>Each sample is a 28 x 28 images</a:t>
                 </a:r>
               </a:p>
@@ -30615,7 +33077,7 @@
                 <a:ext cx="5314096" cy="4329817"/>
               </a:xfrm>
               <a:blipFill>
-                <a:blip r:embed="rId2"/>
+                <a:blip r:embed="rId3"/>
                 <a:stretch>
                   <a:fillRect l="-2752" t="-1549"/>
                 </a:stretch>
@@ -30674,7 +33136,7 @@
           <p:nvPr/>
         </p:nvPicPr>
         <p:blipFill>
-          <a:blip r:embed="rId3"/>
+          <a:blip r:embed="rId4"/>
           <a:stretch>
             <a:fillRect/>
           </a:stretch>
@@ -30704,7 +33166,7 @@
           <p:nvPr/>
         </p:nvPicPr>
         <p:blipFill>
-          <a:blip r:embed="rId4"/>
+          <a:blip r:embed="rId5"/>
           <a:stretch>
             <a:fillRect/>
           </a:stretch>
@@ -30771,8 +33233,8 @@
           </a:p>
         </p:txBody>
       </p:sp>
-      <mc:AlternateContent xmlns:mc="http://schemas.openxmlformats.org/markup-compatibility/2006">
-        <mc:Choice xmlns:a14="http://schemas.microsoft.com/office/drawing/2010/main" Requires="a14">
+      <mc:AlternateContent xmlns:mc="http://schemas.openxmlformats.org/markup-compatibility/2006" xmlns:a14="http://schemas.microsoft.com/office/drawing/2010/main">
+        <mc:Choice Requires="a14">
           <p:sp>
             <p:nvSpPr>
               <p:cNvPr id="3" name="Content Placeholder 2"/>
@@ -30848,7 +33310,7 @@
             </p:txBody>
           </p:sp>
         </mc:Choice>
-        <mc:Fallback>
+        <mc:Fallback xmlns="">
           <p:sp>
             <p:nvSpPr>
               <p:cNvPr id="3" name="Content Placeholder 2"/>
@@ -31569,8 +34031,8 @@
           </a:fontRef>
         </p:style>
       </p:cxnSp>
-      <mc:AlternateContent xmlns:mc="http://schemas.openxmlformats.org/markup-compatibility/2006">
-        <mc:Choice xmlns:a14="http://schemas.microsoft.com/office/drawing/2010/main" Requires="a14">
+      <mc:AlternateContent xmlns:mc="http://schemas.openxmlformats.org/markup-compatibility/2006" xmlns:a14="http://schemas.microsoft.com/office/drawing/2010/main">
+        <mc:Choice Requires="a14">
           <p:sp>
             <p:nvSpPr>
               <p:cNvPr id="29" name="TextBox 28"/>
@@ -31631,7 +34093,7 @@
             </p:txBody>
           </p:sp>
         </mc:Choice>
-        <mc:Fallback>
+        <mc:Fallback xmlns="">
           <p:sp>
             <p:nvSpPr>
               <p:cNvPr id="29" name="TextBox 28"/>
@@ -31986,8 +34448,8 @@
           </p:sp>
         </mc:Fallback>
       </mc:AlternateContent>
-      <mc:AlternateContent xmlns:mc="http://schemas.openxmlformats.org/markup-compatibility/2006" xmlns:a14="http://schemas.microsoft.com/office/drawing/2010/main">
-        <mc:Choice Requires="a14">
+      <mc:AlternateContent xmlns:mc="http://schemas.openxmlformats.org/markup-compatibility/2006">
+        <mc:Choice xmlns:a14="http://schemas.microsoft.com/office/drawing/2010/main" Requires="a14">
           <p:sp>
             <p:nvSpPr>
               <p:cNvPr id="32" name="TextBox 31"/>
@@ -31997,7 +34459,7 @@
             <p:spPr>
               <a:xfrm>
                 <a:off x="7283588" y="5283089"/>
-                <a:ext cx="3082511" cy="369332"/>
+                <a:ext cx="3208571" cy="369332"/>
               </a:xfrm>
               <a:prstGeom prst="rect">
                 <a:avLst/>
@@ -32173,7 +34635,7 @@
             </p:txBody>
           </p:sp>
         </mc:Choice>
-        <mc:Fallback xmlns="">
+        <mc:Fallback>
           <p:sp>
             <p:nvSpPr>
               <p:cNvPr id="32" name="TextBox 31"/>
@@ -32185,7 +34647,7 @@
             <p:spPr>
               <a:xfrm>
                 <a:off x="7283588" y="5283089"/>
-                <a:ext cx="3082511" cy="369332"/>
+                <a:ext cx="3208571" cy="369332"/>
               </a:xfrm>
               <a:prstGeom prst="rect">
                 <a:avLst/>
@@ -32421,7 +34883,11 @@
           <a:lstStyle/>
           <a:p>
             <a:r>
-              <a:rPr lang="en-US" dirty="0"/>
+              <a:rPr lang="en-US" dirty="0">
+                <a:solidFill>
+                  <a:srgbClr val="FF0000"/>
+                </a:solidFill>
+              </a:rPr>
               <a:t>Key command</a:t>
             </a:r>
           </a:p>
@@ -32494,7 +34960,11 @@
           <a:lstStyle/>
           <a:p>
             <a:r>
-              <a:rPr lang="en-US" dirty="0"/>
+              <a:rPr lang="en-US" dirty="0">
+                <a:solidFill>
+                  <a:srgbClr val="FF0000"/>
+                </a:solidFill>
+              </a:rPr>
               <a:t>Sample permutation is necessary for this dataset, as the original data is ordered by digits</a:t>
             </a:r>
           </a:p>
@@ -32627,7 +35097,15 @@
             <a:pPr lvl="1"/>
             <a:r>
               <a:rPr lang="en-US" dirty="0"/>
-              <a:t>In practice want to train with ~40k</a:t>
+              <a:t>In practice want </a:t>
+            </a:r>
+            <a:r>
+              <a:rPr lang="en-US" dirty="0">
+                <a:solidFill>
+                  <a:srgbClr val="FF0000"/>
+                </a:solidFill>
+              </a:rPr>
+              <a:t>to train with ~40k</a:t>
             </a:r>
           </a:p>
           <a:p>
@@ -32648,7 +35126,15 @@
             <a:pPr lvl="1"/>
             <a:r>
               <a:rPr lang="en-US" dirty="0"/>
-              <a:t>Others can be very slow.  Even this will take minutes</a:t>
+              <a:t>Others can be very slow.  Even this will take </a:t>
+            </a:r>
+            <a:r>
+              <a:rPr lang="en-US" dirty="0">
+                <a:solidFill>
+                  <a:srgbClr val="FF0000"/>
+                </a:solidFill>
+              </a:rPr>
+              <a:t>minutes</a:t>
             </a:r>
           </a:p>
         </p:txBody>
@@ -32691,7 +35177,7 @@
           <p:nvPr/>
         </p:nvPicPr>
         <p:blipFill>
-          <a:blip r:embed="rId2"/>
+          <a:blip r:embed="rId3"/>
           <a:stretch>
             <a:fillRect/>
           </a:stretch>
@@ -32721,7 +35207,7 @@
           <p:nvPr/>
         </p:nvPicPr>
         <p:blipFill>
-          <a:blip r:embed="rId3"/>
+          <a:blip r:embed="rId4"/>
           <a:stretch>
             <a:fillRect/>
           </a:stretch>
